--- a/lectures3/Pythonlearn-06-Strings-PL.pptx
+++ b/lectures3/Pythonlearn-06-Strings-PL.pptx
@@ -5727,7 +5727,7 @@
               <a:buNone/>
             </a:pPr>
             <a:r>
-              <a:rPr lang="pl" sz="7600" b="0" i="0" u="none" strike="noStrike" cap="none" baseline="0">
+              <a:rPr lang="pl" sz="7600" b="0" i="0" u="none" strike="noStrike" cap="none" baseline="0" dirty="0">
                 <a:solidFill>
                   <a:srgbClr val="FFD966"/>
                 </a:solidFill>

--- a/lectures3/Pythonlearn-06-Strings-PL.pptx
+++ b/lectures3/Pythonlearn-06-Strings-PL.pptx
@@ -577,15 +577,68 @@
               <a:spcBef>
                 <a:spcPts val="0"/>
               </a:spcBef>
-              <a:buNone/>
-            </a:pPr>
-            <a:r>
-              <a:rPr lang="pl" b="0" i="0" u="none" baseline="0">
+              <a:buClr>
+                <a:schemeClr val="dk2"/>
+              </a:buClr>
+              <a:buSzPct val="78571"/>
+              <a:buFont typeface="Arial"/>
+              <a:buNone/>
+            </a:pPr>
+            <a:r>
+              <a:rPr lang="pl" b="0" i="0" u="none" baseline="0" dirty="0">
                 <a:solidFill>
                   <a:schemeClr val="dk2"/>
                 </a:solidFill>
               </a:rPr>
-              <a:t>Notka od Chucka  Używając tych materiałów masz prawo usunąć logo UM i zastąpić je własnym ale zostaw proszę logo CC-BY na pierwszej stronie oraz strony z podziękowaniami dla współtwórców.</a:t>
+              <a:t>Notka od Chucka</a:t>
+            </a:r>
+            <a:r>
+              <a:rPr lang="en-US" b="0" i="0" u="none" baseline="0" dirty="0">
+                <a:solidFill>
+                  <a:schemeClr val="dk2"/>
+                </a:solidFill>
+              </a:rPr>
+              <a:t>:</a:t>
+            </a:r>
+            <a:r>
+              <a:rPr lang="pl" b="0" i="0" u="none" baseline="0" dirty="0">
+                <a:solidFill>
+                  <a:schemeClr val="dk2"/>
+                </a:solidFill>
+              </a:rPr>
+              <a:t> </a:t>
+            </a:r>
+            <a:r>
+              <a:rPr lang="en-US" b="0" i="0" u="none" baseline="0" dirty="0" err="1">
+                <a:solidFill>
+                  <a:schemeClr val="dk2"/>
+                </a:solidFill>
+              </a:rPr>
+              <a:t>uż</a:t>
+            </a:r>
+            <a:r>
+              <a:rPr lang="pl" b="0" i="0" u="none" baseline="0" dirty="0">
+                <a:solidFill>
+                  <a:schemeClr val="dk2"/>
+                </a:solidFill>
+              </a:rPr>
+              <a:t>ywając tych materiałów masz prawo usunąć logo UM i zastąpić je własnym</a:t>
+            </a:r>
+            <a:r>
+              <a:rPr lang="en-US" b="0" i="0" u="none" baseline="0" dirty="0">
+                <a:solidFill>
+                  <a:schemeClr val="dk2"/>
+                </a:solidFill>
+              </a:rPr>
+              <a:t>,</a:t>
+            </a:r>
+            <a:r>
+              <a:rPr lang="pl" b="0" i="0" u="none" baseline="0" dirty="0">
+                <a:solidFill>
+                  <a:schemeClr val="dk2"/>
+                </a:solidFill>
+              </a:rPr>
+              <a:t> ale zostaw proszę logo CC-BY na pierwszej stronie oraz strony z podziękowaniami dla współtwórców.</a:t>
             </a:r>
             <a:endParaRPr lang="pl" dirty="0">
               <a:solidFill>
@@ -1141,7 +1194,7 @@
               </a:spcBef>
               <a:buNone/>
             </a:pPr>
-            <a:endParaRPr/>
+            <a:endParaRPr dirty="0"/>
           </a:p>
         </p:txBody>
       </p:sp>
@@ -5727,7 +5780,7 @@
               <a:buNone/>
             </a:pPr>
             <a:r>
-              <a:rPr lang="pl" sz="7600" b="0" i="0" u="none" strike="noStrike" cap="none" baseline="0" dirty="0">
+              <a:rPr lang="pl-PL" sz="7600" b="0" i="0" u="none" strike="noStrike" cap="none" baseline="0" dirty="0">
                 <a:solidFill>
                   <a:srgbClr val="FFD966"/>
                 </a:solidFill>
@@ -5736,7 +5789,7 @@
                 <a:cs typeface="Arial" charset="0"/>
                 <a:sym typeface="Cabin"/>
               </a:rPr>
-              <a:t>Ciągi znaków</a:t>
+              <a:t>Napisy</a:t>
             </a:r>
           </a:p>
         </p:txBody>
@@ -6009,6 +6062,10 @@
           </p:nvPr>
         </p:nvSpPr>
         <p:spPr>
+          <a:xfrm>
+            <a:off x="899016" y="833718"/>
+            <a:ext cx="14445368" cy="1706182"/>
+          </a:xfrm>
           <a:prstGeom prst="rect">
             <a:avLst/>
           </a:prstGeom>
@@ -6041,7 +6098,7 @@
               <a:buNone/>
             </a:pPr>
             <a:r>
-              <a:rPr lang="pl" sz="7600" b="0" i="0" u="none" strike="noStrike" cap="none" baseline="0">
+              <a:rPr lang="pl" sz="7600" b="0" i="0" u="none" strike="noStrike" cap="none" baseline="0" dirty="0">
                 <a:solidFill>
                   <a:srgbClr val="FFD966"/>
                 </a:solidFill>
@@ -6050,7 +6107,19 @@
                 <a:cs typeface="Arial" charset="0"/>
                 <a:sym typeface="Cabin"/>
               </a:rPr>
-              <a:t>Przechodzenie pętlą przez ciąg</a:t>
+              <a:t>Przechodzenie pętlą przez </a:t>
+            </a:r>
+            <a:r>
+              <a:rPr lang="pl-PL" sz="7600" b="0" i="0" u="none" strike="noStrike" cap="none" baseline="0" dirty="0">
+                <a:solidFill>
+                  <a:srgbClr val="FFD966"/>
+                </a:solidFill>
+                <a:latin typeface="Arial" charset="0"/>
+                <a:ea typeface="Arial" charset="0"/>
+                <a:cs typeface="Arial" charset="0"/>
+                <a:sym typeface="Cabin"/>
+              </a:rPr>
+              <a:t>napis</a:t>
             </a:r>
           </a:p>
         </p:txBody>
@@ -6672,6 +6741,10 @@
           </p:nvPr>
         </p:nvSpPr>
         <p:spPr>
+          <a:xfrm>
+            <a:off x="873964" y="833718"/>
+            <a:ext cx="14495472" cy="1706182"/>
+          </a:xfrm>
           <a:prstGeom prst="rect">
             <a:avLst/>
           </a:prstGeom>
@@ -6704,7 +6777,7 @@
               <a:buNone/>
             </a:pPr>
             <a:r>
-              <a:rPr lang="pl" sz="7600" b="0" i="0" u="none" strike="noStrike" cap="none" baseline="0">
+              <a:rPr lang="pl" sz="7600" b="0" i="0" u="none" strike="noStrike" cap="none" baseline="0" dirty="0">
                 <a:solidFill>
                   <a:srgbClr val="FFD966"/>
                 </a:solidFill>
@@ -6713,7 +6786,19 @@
                 <a:cs typeface="Arial" charset="0"/>
                 <a:sym typeface="Cabin"/>
               </a:rPr>
-              <a:t>Przechodzenie pętlą przez ciąg</a:t>
+              <a:t>Przechodzenie pętlą przez </a:t>
+            </a:r>
+            <a:r>
+              <a:rPr lang="pl-PL" sz="7600" b="0" i="0" u="none" strike="noStrike" cap="none" baseline="0" dirty="0">
+                <a:solidFill>
+                  <a:srgbClr val="FFD966"/>
+                </a:solidFill>
+                <a:latin typeface="Arial" charset="0"/>
+                <a:ea typeface="Arial" charset="0"/>
+                <a:cs typeface="Arial" charset="0"/>
+                <a:sym typeface="Cabin"/>
+              </a:rPr>
+              <a:t>napis</a:t>
             </a:r>
           </a:p>
         </p:txBody>
@@ -7914,7 +7999,31 @@
                 <a:cs typeface="Arial" charset="0"/>
                 <a:sym typeface="Cabin"/>
               </a:rPr>
-              <a:t>Oto prosta pętla, która przechodzi przez każdą literę w ciągu i liczy, ile razy pętla napotkała znak 'a'</a:t>
+              <a:t>Oto prosta pętla, która przechodzi przez każdą literę w </a:t>
+            </a:r>
+            <a:r>
+              <a:rPr lang="pl-PL" sz="3600" b="0" i="0" u="none" strike="noStrike" cap="none" baseline="0" dirty="0">
+                <a:solidFill>
+                  <a:schemeClr val="lt1"/>
+                </a:solidFill>
+                <a:latin typeface="Arial" charset="0"/>
+                <a:ea typeface="Arial" charset="0"/>
+                <a:cs typeface="Arial" charset="0"/>
+                <a:sym typeface="Cabin"/>
+              </a:rPr>
+              <a:t>napisie</a:t>
+            </a:r>
+            <a:r>
+              <a:rPr lang="pl" sz="3600" b="0" i="0" u="none" strike="noStrike" cap="none" baseline="0" dirty="0">
+                <a:solidFill>
+                  <a:schemeClr val="lt1"/>
+                </a:solidFill>
+                <a:latin typeface="Arial" charset="0"/>
+                <a:ea typeface="Arial" charset="0"/>
+                <a:cs typeface="Arial" charset="0"/>
+                <a:sym typeface="Cabin"/>
+              </a:rPr>
+              <a:t> i liczy, ile razy pętla napotkała znak 'a'</a:t>
             </a:r>
           </a:p>
         </p:txBody>
@@ -9106,7 +9215,7 @@
               <a:buNone/>
             </a:pPr>
             <a:r>
-              <a:rPr lang="en-US" sz="3600" b="0" i="0" u="none" strike="noStrike" cap="none" baseline="0" dirty="0" err="1">
+              <a:rPr lang="pl-PL" sz="3600" b="0" i="0" u="none" strike="noStrike" cap="none" baseline="0" dirty="0" err="1">
                 <a:solidFill>
                   <a:srgbClr val="FF7F00"/>
                 </a:solidFill>
@@ -9127,7 +9236,19 @@
                 <a:cs typeface="Arial" charset="0"/>
                 <a:sym typeface="Cabin"/>
               </a:rPr>
-              <a:t>znakowy ciąg</a:t>
+              <a:t>znakowy </a:t>
+            </a:r>
+            <a:r>
+              <a:rPr lang="pl-PL" sz="3600" b="0" i="0" u="none" strike="noStrike" cap="none" baseline="0" dirty="0">
+                <a:solidFill>
+                  <a:srgbClr val="FF7F00"/>
+                </a:solidFill>
+                <a:latin typeface="Arial" charset="0"/>
+                <a:ea typeface="Arial" charset="0"/>
+                <a:cs typeface="Arial" charset="0"/>
+                <a:sym typeface="Cabin"/>
+              </a:rPr>
+              <a:t>napis</a:t>
             </a:r>
           </a:p>
         </p:txBody>
@@ -10250,7 +10371,7 @@
               <a:buNone/>
             </a:pPr>
             <a:r>
-              <a:rPr lang="pl" sz="3600" b="0" i="0" u="none" strike="noStrike" cap="none" baseline="0">
+              <a:rPr lang="pl" sz="3600" b="0" i="0" u="none" strike="noStrike" cap="none" baseline="0" dirty="0">
                 <a:solidFill>
                   <a:srgbClr val="00FF00"/>
                 </a:solidFill>
@@ -10262,7 +10383,7 @@
               <a:t> Zmienna sterująca </a:t>
             </a:r>
             <a:r>
-              <a:rPr lang="pl" sz="3600" b="0" i="0" u="none" strike="noStrike" cap="none" baseline="0">
+              <a:rPr lang="pl" sz="3600" b="0" i="0" u="none" strike="noStrike" cap="none" baseline="0" dirty="0">
                 <a:solidFill>
                   <a:schemeClr val="lt1"/>
                 </a:solidFill>
@@ -10274,7 +10395,7 @@
               <a:t>“</a:t>
             </a:r>
             <a:r>
-              <a:rPr lang="pl" sz="3600" b="0" i="0" u="none" strike="noStrike" cap="none" baseline="0">
+              <a:rPr lang="pl" sz="3600" b="0" i="0" u="none" strike="noStrike" cap="none" baseline="0" dirty="0">
                 <a:solidFill>
                   <a:schemeClr val="lt1"/>
                 </a:solidFill>
@@ -10286,7 +10407,7 @@
               <a:t>przechodzi</a:t>
             </a:r>
             <a:r>
-              <a:rPr lang="pl" sz="3600" b="0" i="0" u="none" strike="noStrike" cap="none" baseline="0">
+              <a:rPr lang="pl" sz="3600" b="0" i="0" u="none" strike="noStrike" cap="none" baseline="0" dirty="0">
                 <a:solidFill>
                   <a:schemeClr val="lt1"/>
                 </a:solidFill>
@@ -10298,7 +10419,7 @@
               <a:t>”</a:t>
             </a:r>
             <a:r>
-              <a:rPr lang="pl" sz="3600" b="0" i="0" u="none" strike="noStrike" cap="none" baseline="0">
+              <a:rPr lang="pl" sz="3600" b="0" i="0" u="none" strike="noStrike" cap="none" baseline="0" dirty="0">
                 <a:solidFill>
                   <a:schemeClr val="lt1"/>
                 </a:solidFill>
@@ -10310,7 +10431,7 @@
               <a:t> przez </a:t>
             </a:r>
             <a:r>
-              <a:rPr lang="pl" sz="3600" b="0" i="0" u="none" strike="noStrike" cap="none" baseline="0">
+              <a:rPr lang="pl-PL" sz="3600" b="0" i="0" u="none" strike="noStrike" cap="none" baseline="0" dirty="0">
                 <a:solidFill>
                   <a:srgbClr val="FF7F00"/>
                 </a:solidFill>
@@ -10319,10 +10440,22 @@
                 <a:cs typeface="Arial" charset="0"/>
                 <a:sym typeface="Cabin"/>
               </a:rPr>
-              <a:t>ciąg </a:t>
-            </a:r>
-            <a:r>
-              <a:rPr lang="pl" sz="3600" b="0" i="0" u="none" strike="noStrike" cap="none" baseline="0">
+              <a:t>napis (ciąg znaków)</a:t>
+            </a:r>
+            <a:r>
+              <a:rPr lang="pl" sz="3600" b="0" i="0" u="none" strike="noStrike" cap="none" baseline="0" dirty="0">
+                <a:solidFill>
+                  <a:srgbClr val="FF7F00"/>
+                </a:solidFill>
+                <a:latin typeface="Arial" charset="0"/>
+                <a:ea typeface="Arial" charset="0"/>
+                <a:cs typeface="Arial" charset="0"/>
+                <a:sym typeface="Cabin"/>
+              </a:rPr>
+              <a:t> </a:t>
+            </a:r>
+            <a:r>
+              <a:rPr lang="pl" sz="3600" b="0" i="0" u="none" strike="noStrike" cap="none" baseline="0" dirty="0">
                 <a:solidFill>
                   <a:schemeClr val="lt1"/>
                 </a:solidFill>
@@ -10334,7 +10467,7 @@
               <a:t>i </a:t>
             </a:r>
             <a:r>
-              <a:rPr lang="pl" sz="3600" b="0" i="0" u="none" strike="noStrike" cap="none" baseline="0">
+              <a:rPr lang="pl" sz="3600" b="0" i="0" u="none" strike="noStrike" cap="none" baseline="0" dirty="0">
                 <a:solidFill>
                   <a:srgbClr val="FF00FF"/>
                 </a:solidFill>
@@ -10346,7 +10479,7 @@
               <a:t>blok (ciało)</a:t>
             </a:r>
             <a:r>
-              <a:rPr lang="pl" sz="3600" b="0" i="0" u="none" strike="noStrike" cap="none" baseline="0">
+              <a:rPr lang="pl" sz="3600" b="0" i="0" u="none" strike="noStrike" cap="none" baseline="0" dirty="0">
                 <a:solidFill>
                   <a:schemeClr val="lt1"/>
                 </a:solidFill>
@@ -10358,7 +10491,7 @@
               <a:t> kodu jest wykonywany jeden raz dla każdego elementu </a:t>
             </a:r>
             <a:r>
-              <a:rPr lang="pl" sz="3600" b="0" i="0" u="none" strike="noStrike" cap="none" baseline="0">
+              <a:rPr lang="pl" sz="3600" b="0" i="0" u="none" strike="noStrike" cap="none" baseline="0" dirty="0">
                 <a:solidFill>
                   <a:srgbClr val="FFFF00"/>
                 </a:solidFill>
@@ -10370,7 +10503,7 @@
               <a:t>w</a:t>
             </a:r>
             <a:r>
-              <a:rPr lang="pl" sz="3600" b="0" i="0" u="none" strike="noStrike" cap="none" baseline="0">
+              <a:rPr lang="pl" sz="3600" b="0" i="0" u="none" strike="noStrike" cap="none" baseline="0" dirty="0">
                 <a:solidFill>
                   <a:schemeClr val="lt1"/>
                 </a:solidFill>
@@ -10382,7 +10515,7 @@
               <a:t> </a:t>
             </a:r>
             <a:r>
-              <a:rPr lang="pl" sz="3600" b="0" i="0" u="none" strike="noStrike" cap="none" baseline="0">
+              <a:rPr lang="pl" sz="3600" b="0" i="0" u="none" strike="noStrike" cap="none" baseline="0" dirty="0">
                 <a:solidFill>
                   <a:srgbClr val="FF7F00"/>
                 </a:solidFill>
@@ -10521,12 +10654,20 @@
           <a:p>
             <a:pPr rtl="0"/>
             <a:r>
-              <a:rPr lang="pl" sz="7200" b="0" i="0" u="none" baseline="0">
+              <a:rPr lang="pl" sz="7200" b="0" i="0" u="none" baseline="0" dirty="0">
                 <a:solidFill>
                   <a:srgbClr val="FFD966"/>
                 </a:solidFill>
               </a:rPr>
-              <a:t>Więcej operacji na ciągach</a:t>
+              <a:t>Więcej operacji na </a:t>
+            </a:r>
+            <a:r>
+              <a:rPr lang="en-US" sz="7200" b="0" i="0" u="none" baseline="0" dirty="0" err="1">
+                <a:solidFill>
+                  <a:srgbClr val="FFD966"/>
+                </a:solidFill>
+              </a:rPr>
+              <a:t>napisach</a:t>
             </a:r>
             <a:endParaRPr lang="pl" sz="7200" dirty="0">
               <a:solidFill>
@@ -10613,7 +10754,7 @@
               <a:buNone/>
             </a:pPr>
             <a:r>
-              <a:rPr lang="pl" sz="6000" b="0" i="0" u="none" strike="noStrike" cap="none" baseline="0" dirty="0">
+              <a:rPr lang="pl" sz="6000" b="0" i="0" u="none" strike="noStrike" cap="none" baseline="0">
                 <a:solidFill>
                   <a:srgbClr val="FFD966"/>
                 </a:solidFill>
@@ -10622,7 +10763,19 @@
                 <a:cs typeface="Arial" charset="0"/>
                 <a:sym typeface="Cabin"/>
               </a:rPr>
-              <a:t>Wycinki ciągów</a:t>
+              <a:t>Wycinki </a:t>
+            </a:r>
+            <a:r>
+              <a:rPr lang="pl-PL" sz="6000" b="0" i="0" u="none" strike="noStrike" cap="none" baseline="0">
+                <a:solidFill>
+                  <a:srgbClr val="FFD966"/>
+                </a:solidFill>
+                <a:latin typeface="Arial" charset="0"/>
+                <a:ea typeface="Arial" charset="0"/>
+                <a:cs typeface="Arial" charset="0"/>
+                <a:sym typeface="Cabin"/>
+              </a:rPr>
+              <a:t>napisów</a:t>
             </a:r>
           </a:p>
         </p:txBody>
@@ -10683,7 +10836,31 @@
                 <a:cs typeface="Arial" charset="0"/>
                 <a:sym typeface="Cabin"/>
               </a:rPr>
-              <a:t>Możemy też spojrzeć na kilka kolejnych znaków w ciągu, używając </a:t>
+              <a:t>Możemy też spojrzeć na kilka kolejnych znaków w </a:t>
+            </a:r>
+            <a:r>
+              <a:rPr lang="pl-PL" sz="3400" b="0" i="0" u="none" strike="noStrike" cap="none" baseline="0" dirty="0">
+                <a:solidFill>
+                  <a:schemeClr val="lt1"/>
+                </a:solidFill>
+                <a:latin typeface="Arial" charset="0"/>
+                <a:ea typeface="Arial" charset="0"/>
+                <a:cs typeface="Arial" charset="0"/>
+                <a:sym typeface="Cabin"/>
+              </a:rPr>
+              <a:t>napisie</a:t>
+            </a:r>
+            <a:r>
+              <a:rPr lang="pl" sz="3400" b="0" i="0" u="none" strike="noStrike" cap="none" baseline="0" dirty="0">
+                <a:solidFill>
+                  <a:schemeClr val="lt1"/>
+                </a:solidFill>
+                <a:latin typeface="Arial" charset="0"/>
+                <a:ea typeface="Arial" charset="0"/>
+                <a:cs typeface="Arial" charset="0"/>
+                <a:sym typeface="Cabin"/>
+              </a:rPr>
+              <a:t>, używając </a:t>
             </a:r>
             <a:r>
               <a:rPr lang="pl" sz="3400" b="0" i="0" u="none" strike="noStrike" cap="none" baseline="0" dirty="0">
@@ -10826,7 +11003,31 @@
                 <a:cs typeface="Arial" charset="0"/>
                 <a:sym typeface="Cabin"/>
               </a:rPr>
-              <a:t>koniec ciągu, to zatrzymujemy się na nim </a:t>
+              <a:t>koniec </a:t>
+            </a:r>
+            <a:r>
+              <a:rPr lang="pl-PL" sz="3400" b="0" i="0" u="none" strike="noStrike" cap="none" baseline="0" dirty="0">
+                <a:solidFill>
+                  <a:schemeClr val="lt1"/>
+                </a:solidFill>
+                <a:latin typeface="Arial" charset="0"/>
+                <a:ea typeface="Arial" charset="0"/>
+                <a:cs typeface="Arial" charset="0"/>
+                <a:sym typeface="Cabin"/>
+              </a:rPr>
+              <a:t>napisu</a:t>
+            </a:r>
+            <a:r>
+              <a:rPr lang="pl" sz="3400" b="0" i="0" u="none" strike="noStrike" cap="none" baseline="0" dirty="0">
+                <a:solidFill>
+                  <a:schemeClr val="lt1"/>
+                </a:solidFill>
+                <a:latin typeface="Arial" charset="0"/>
+                <a:ea typeface="Arial" charset="0"/>
+                <a:cs typeface="Arial" charset="0"/>
+                <a:sym typeface="Cabin"/>
+              </a:rPr>
+              <a:t>, to zatrzymujemy się na nim </a:t>
             </a:r>
           </a:p>
         </p:txBody>
@@ -13494,7 +13695,31 @@
                 <a:cs typeface="Arial" charset="0"/>
                 <a:sym typeface="Cabin"/>
               </a:rPr>
-              <a:t>Jeśli opuścimy pierwszą (lub drugą) wartość określającą wycinek, to Python zacznie od początku (albo końca) ciągu.</a:t>
+              <a:t>Jeśli opuścimy pierwszą (lub drugą) wartość określającą wycinek, to Python zacznie od początku (albo końca) </a:t>
+            </a:r>
+            <a:r>
+              <a:rPr lang="pl-PL" sz="3400" b="0" i="0" u="none" baseline="0" dirty="0">
+                <a:solidFill>
+                  <a:schemeClr val="lt1"/>
+                </a:solidFill>
+                <a:latin typeface="Arial" charset="0"/>
+                <a:ea typeface="Arial" charset="0"/>
+                <a:cs typeface="Arial" charset="0"/>
+                <a:sym typeface="Cabin"/>
+              </a:rPr>
+              <a:t>napisu</a:t>
+            </a:r>
+            <a:r>
+              <a:rPr lang="pl" sz="3400" b="0" i="0" u="none" baseline="0" dirty="0">
+                <a:solidFill>
+                  <a:schemeClr val="lt1"/>
+                </a:solidFill>
+                <a:latin typeface="Arial" charset="0"/>
+                <a:ea typeface="Arial" charset="0"/>
+                <a:cs typeface="Arial" charset="0"/>
+                <a:sym typeface="Cabin"/>
+              </a:rPr>
+              <a:t>.</a:t>
             </a:r>
           </a:p>
         </p:txBody>
@@ -15095,17 +15320,20 @@
                 <a:cs typeface="Arial" charset="0"/>
                 <a:sym typeface="Cabin"/>
               </a:rPr>
-              <a:t>Wycinki ciągów</a:t>
-            </a:r>
-            <a:endParaRPr lang="pl" sz="6000" dirty="0">
-              <a:solidFill>
-                <a:srgbClr val="FFD966"/>
-              </a:solidFill>
-              <a:latin typeface="Arial" charset="0"/>
-              <a:ea typeface="Arial" charset="0"/>
-              <a:cs typeface="Arial" charset="0"/>
-              <a:sym typeface="Cabin"/>
-            </a:endParaRPr>
+              <a:t>Wycinki </a:t>
+            </a:r>
+            <a:r>
+              <a:rPr lang="pl-PL" sz="6000">
+                <a:solidFill>
+                  <a:srgbClr val="FFD966"/>
+                </a:solidFill>
+                <a:latin typeface="Arial" charset="0"/>
+                <a:ea typeface="Arial" charset="0"/>
+                <a:cs typeface="Arial" charset="0"/>
+                <a:sym typeface="Cabin"/>
+              </a:rPr>
+              <a:t>napisów</a:t>
+            </a:r>
           </a:p>
         </p:txBody>
       </p:sp>
@@ -15191,7 +15419,19 @@
                 <a:cs typeface="Arial" charset="0"/>
                 <a:sym typeface="Cabin"/>
               </a:rPr>
-              <a:t>Konkatenacja ciągów znaków</a:t>
+              <a:t>Konkatenacja </a:t>
+            </a:r>
+            <a:r>
+              <a:rPr lang="pl-PL" sz="7600" b="0" i="0" u="none" strike="noStrike" cap="none" baseline="0">
+                <a:solidFill>
+                  <a:srgbClr val="FFD966"/>
+                </a:solidFill>
+                <a:latin typeface="Arial" charset="0"/>
+                <a:ea typeface="Arial" charset="0"/>
+                <a:cs typeface="Arial" charset="0"/>
+                <a:sym typeface="Cabin"/>
+              </a:rPr>
+              <a:t>napisów</a:t>
             </a:r>
           </a:p>
         </p:txBody>
@@ -15275,7 +15515,31 @@
                 <a:cs typeface="Arial" charset="0"/>
                 <a:sym typeface="Cabin"/>
               </a:rPr>
-              <a:t> do ciągów oznacza </a:t>
+              <a:t> do </a:t>
+            </a:r>
+            <a:r>
+              <a:rPr lang="pl-PL" sz="3600" b="0" i="0" u="none" strike="noStrike" cap="none" baseline="0" dirty="0">
+                <a:solidFill>
+                  <a:schemeClr val="lt1"/>
+                </a:solidFill>
+                <a:latin typeface="Arial" charset="0"/>
+                <a:ea typeface="Arial" charset="0"/>
+                <a:cs typeface="Arial" charset="0"/>
+                <a:sym typeface="Cabin"/>
+              </a:rPr>
+              <a:t>napisów</a:t>
+            </a:r>
+            <a:r>
+              <a:rPr lang="pl" sz="3600" b="0" i="0" u="none" strike="noStrike" cap="none" baseline="0" dirty="0">
+                <a:solidFill>
+                  <a:schemeClr val="lt1"/>
+                </a:solidFill>
+                <a:latin typeface="Arial" charset="0"/>
+                <a:ea typeface="Arial" charset="0"/>
+                <a:cs typeface="Arial" charset="0"/>
+                <a:sym typeface="Cabin"/>
+              </a:rPr>
+              <a:t> oznacza </a:t>
             </a:r>
             <a:r>
               <a:rPr lang="pl" sz="3600" b="0" i="0" u="none" baseline="0" dirty="0">
@@ -16227,7 +16491,31 @@
                 <a:cs typeface="Arial" charset="0"/>
                 <a:sym typeface="Cabin"/>
               </a:rPr>
-              <a:t> może też służyć do sprawdzenia, czy jeden ciąg jest </a:t>
+              <a:t> może też służyć do sprawdzenia, czy jeden </a:t>
+            </a:r>
+            <a:r>
+              <a:rPr lang="pl-PL" sz="3600" b="0" i="0" u="none" strike="noStrike" cap="none" baseline="0" dirty="0">
+                <a:solidFill>
+                  <a:schemeClr val="lt1"/>
+                </a:solidFill>
+                <a:latin typeface="Arial" charset="0"/>
+                <a:ea typeface="Arial" charset="0"/>
+                <a:cs typeface="Arial" charset="0"/>
+                <a:sym typeface="Cabin"/>
+              </a:rPr>
+              <a:t>napis</a:t>
+            </a:r>
+            <a:r>
+              <a:rPr lang="pl" sz="3600" b="0" i="0" u="none" strike="noStrike" cap="none" baseline="0" dirty="0">
+                <a:solidFill>
+                  <a:schemeClr val="lt1"/>
+                </a:solidFill>
+                <a:latin typeface="Arial" charset="0"/>
+                <a:ea typeface="Arial" charset="0"/>
+                <a:cs typeface="Arial" charset="0"/>
+                <a:sym typeface="Cabin"/>
+              </a:rPr>
+              <a:t> jest </a:t>
             </a:r>
             <a:r>
               <a:rPr lang="pl" sz="3600" b="0" i="0" u="none" baseline="0" dirty="0">
@@ -16275,7 +16563,19 @@
                 <a:cs typeface="Arial" charset="0"/>
                 <a:sym typeface="Cabin"/>
               </a:rPr>
-              <a:t> innym ciągu</a:t>
+              <a:t> innym </a:t>
+            </a:r>
+            <a:r>
+              <a:rPr lang="pl-PL" sz="3600" b="0" i="0" u="none" strike="noStrike" cap="none" baseline="0" dirty="0">
+                <a:solidFill>
+                  <a:schemeClr val="lt1"/>
+                </a:solidFill>
+                <a:latin typeface="Arial" charset="0"/>
+                <a:ea typeface="Arial" charset="0"/>
+                <a:cs typeface="Arial" charset="0"/>
+                <a:sym typeface="Cabin"/>
+              </a:rPr>
+              <a:t>napisie</a:t>
             </a:r>
           </a:p>
           <a:p>
@@ -17267,7 +17567,19 @@
                 <a:cs typeface="Arial" charset="0"/>
                 <a:sym typeface="Cabin"/>
               </a:rPr>
-              <a:t>Typ danych: ciąg znaków</a:t>
+              <a:t>Typ danych: </a:t>
+            </a:r>
+            <a:r>
+              <a:rPr lang="pl-PL" sz="7600" b="0" i="0" u="none" strike="noStrike" cap="none" baseline="0" dirty="0">
+                <a:solidFill>
+                  <a:srgbClr val="FFD966"/>
+                </a:solidFill>
+                <a:latin typeface="Arial" charset="0"/>
+                <a:ea typeface="Arial" charset="0"/>
+                <a:cs typeface="Arial" charset="0"/>
+                <a:sym typeface="Cabin"/>
+              </a:rPr>
+              <a:t>napis</a:t>
             </a:r>
           </a:p>
         </p:txBody>
@@ -17319,6 +17631,30 @@
               <a:buChar char="•"/>
             </a:pPr>
             <a:r>
+              <a:rPr lang="pl-PL" sz="3000" b="0" i="0" u="none" strike="noStrike" cap="none" baseline="0" dirty="0">
+                <a:solidFill>
+                  <a:srgbClr val="FF00FF"/>
+                </a:solidFill>
+                <a:latin typeface="Arial" charset="0"/>
+                <a:ea typeface="Arial" charset="0"/>
+                <a:cs typeface="Arial" charset="0"/>
+                <a:sym typeface="Cabin"/>
+              </a:rPr>
+              <a:t>Napis</a:t>
+            </a:r>
+            <a:r>
+              <a:rPr lang="en-US" sz="3000" b="0" i="0" u="none" strike="noStrike" cap="none" baseline="0" dirty="0">
+                <a:solidFill>
+                  <a:srgbClr val="FF00FF"/>
+                </a:solidFill>
+                <a:latin typeface="Arial" charset="0"/>
+                <a:ea typeface="Arial" charset="0"/>
+                <a:cs typeface="Arial" charset="0"/>
+                <a:sym typeface="Cabin"/>
+              </a:rPr>
+              <a:t> </a:t>
+            </a:r>
+            <a:r>
               <a:rPr lang="pl" sz="3000" b="0" i="0" u="none" strike="noStrike" cap="none" baseline="0" dirty="0">
                 <a:solidFill>
                   <a:srgbClr val="FF00FF"/>
@@ -17328,7 +17664,7 @@
                 <a:cs typeface="Arial" charset="0"/>
                 <a:sym typeface="Cabin"/>
               </a:rPr>
-              <a:t>Ciąg znaków to sekwencja znaków</a:t>
+              <a:t>to sekwencja znaków</a:t>
             </a:r>
           </a:p>
           <a:p>
@@ -17359,7 +17695,31 @@
                 <a:cs typeface="Arial" charset="0"/>
                 <a:sym typeface="Cabin"/>
               </a:rPr>
-              <a:t>Literał ciągu zapisuje się w </a:t>
+              <a:t>Literał </a:t>
+            </a:r>
+            <a:r>
+              <a:rPr lang="pl-PL" sz="3000" b="0" i="0" u="none" strike="noStrike" cap="none" baseline="0" dirty="0">
+                <a:solidFill>
+                  <a:srgbClr val="FF00FF"/>
+                </a:solidFill>
+                <a:latin typeface="Arial" charset="0"/>
+                <a:ea typeface="Arial" charset="0"/>
+                <a:cs typeface="Arial" charset="0"/>
+                <a:sym typeface="Cabin"/>
+              </a:rPr>
+              <a:t>napisu</a:t>
+            </a:r>
+            <a:r>
+              <a:rPr lang="pl" sz="3000" b="0" i="0" u="none" strike="noStrike" cap="none" baseline="0" dirty="0">
+                <a:solidFill>
+                  <a:srgbClr val="FF00FF"/>
+                </a:solidFill>
+                <a:latin typeface="Arial" charset="0"/>
+                <a:ea typeface="Arial" charset="0"/>
+                <a:cs typeface="Arial" charset="0"/>
+                <a:sym typeface="Cabin"/>
+              </a:rPr>
+              <a:t> zapisuje się w </a:t>
             </a:r>
             <a:r>
               <a:rPr lang="en-US" sz="3000" b="0" i="0" u="none" strike="noStrike" cap="none" baseline="0" dirty="0" err="1">
@@ -17490,7 +17850,31 @@
                 <a:cs typeface="Arial" charset="0"/>
                 <a:sym typeface="Cabin"/>
               </a:rPr>
-              <a:t>W przypadku ciągów + oznacza </a:t>
+              <a:t>W przypadku </a:t>
+            </a:r>
+            <a:r>
+              <a:rPr lang="pl-PL" sz="3000" b="0" i="0" u="none" strike="noStrike" cap="none" baseline="0" dirty="0">
+                <a:solidFill>
+                  <a:srgbClr val="00FF00"/>
+                </a:solidFill>
+                <a:latin typeface="Arial" charset="0"/>
+                <a:ea typeface="Arial" charset="0"/>
+                <a:cs typeface="Arial" charset="0"/>
+                <a:sym typeface="Cabin"/>
+              </a:rPr>
+              <a:t>napisów</a:t>
+            </a:r>
+            <a:r>
+              <a:rPr lang="pl" sz="3000" b="0" i="0" u="none" strike="noStrike" cap="none" baseline="0" dirty="0">
+                <a:solidFill>
+                  <a:srgbClr val="00FF00"/>
+                </a:solidFill>
+                <a:latin typeface="Arial" charset="0"/>
+                <a:ea typeface="Arial" charset="0"/>
+                <a:cs typeface="Arial" charset="0"/>
+                <a:sym typeface="Cabin"/>
+              </a:rPr>
+              <a:t> + oznacza </a:t>
             </a:r>
             <a:r>
               <a:rPr lang="pl" sz="3000" b="0" i="0" u="none" strike="noStrike" cap="none" baseline="0" dirty="0">
@@ -17548,6 +17932,18 @@
               <a:buChar char="•"/>
             </a:pPr>
             <a:r>
+              <a:rPr lang="pl-PL" sz="3000" b="0" i="0" u="none" strike="noStrike" cap="none" baseline="0" dirty="0">
+                <a:solidFill>
+                  <a:srgbClr val="FF7F00"/>
+                </a:solidFill>
+                <a:latin typeface="Arial" charset="0"/>
+                <a:ea typeface="Arial" charset="0"/>
+                <a:cs typeface="Arial" charset="0"/>
+                <a:sym typeface="Cabin"/>
+              </a:rPr>
+              <a:t>Napis</a:t>
+            </a:r>
+            <a:r>
               <a:rPr lang="pl" sz="3000" b="0" i="0" u="none" strike="noStrike" cap="none" baseline="0" dirty="0">
                 <a:solidFill>
                   <a:srgbClr val="FF7F00"/>
@@ -17557,8 +17953,89 @@
                 <a:cs typeface="Arial" charset="0"/>
                 <a:sym typeface="Cabin"/>
               </a:rPr>
-              <a:t>Ciąg zawierający cyfry nadal jest ciągiem znaków</a:t>
-            </a:r>
+              <a:t> zawierający cyfry nadal jest</a:t>
+            </a:r>
+            <a:r>
+              <a:rPr lang="en-US" sz="3000" b="0" i="0" u="none" strike="noStrike" cap="none" baseline="0" dirty="0">
+                <a:solidFill>
+                  <a:srgbClr val="FF7F00"/>
+                </a:solidFill>
+                <a:latin typeface="Arial" charset="0"/>
+                <a:ea typeface="Arial" charset="0"/>
+                <a:cs typeface="Arial" charset="0"/>
+                <a:sym typeface="Cabin"/>
+              </a:rPr>
+              <a:t> </a:t>
+            </a:r>
+            <a:r>
+              <a:rPr lang="pl-PL" sz="3000" b="0" i="0" u="none" strike="noStrike" cap="none" baseline="0" dirty="0">
+                <a:solidFill>
+                  <a:srgbClr val="FF7F00"/>
+                </a:solidFill>
+                <a:latin typeface="Arial" charset="0"/>
+                <a:ea typeface="Arial" charset="0"/>
+                <a:cs typeface="Arial" charset="0"/>
+                <a:sym typeface="Cabin"/>
+              </a:rPr>
+              <a:t>napisem</a:t>
+            </a:r>
+            <a:r>
+              <a:rPr lang="pl" sz="3000" b="0" i="0" u="none" strike="noStrike" cap="none" baseline="0" dirty="0">
+                <a:solidFill>
+                  <a:srgbClr val="FF7F00"/>
+                </a:solidFill>
+                <a:latin typeface="Arial" charset="0"/>
+                <a:ea typeface="Arial" charset="0"/>
+                <a:cs typeface="Arial" charset="0"/>
+                <a:sym typeface="Cabin"/>
+              </a:rPr>
+              <a:t> </a:t>
+            </a:r>
+            <a:r>
+              <a:rPr lang="en-US" sz="3000" b="0" i="0" u="none" strike="noStrike" cap="none" baseline="0" dirty="0">
+                <a:solidFill>
+                  <a:srgbClr val="FF7F00"/>
+                </a:solidFill>
+                <a:latin typeface="Arial" charset="0"/>
+                <a:ea typeface="Arial" charset="0"/>
+                <a:cs typeface="Arial" charset="0"/>
+                <a:sym typeface="Cabin"/>
+              </a:rPr>
+              <a:t>(</a:t>
+            </a:r>
+            <a:r>
+              <a:rPr lang="pl" sz="3000" b="0" i="0" u="none" strike="noStrike" cap="none" baseline="0" dirty="0">
+                <a:solidFill>
+                  <a:srgbClr val="FF7F00"/>
+                </a:solidFill>
+                <a:latin typeface="Arial" charset="0"/>
+                <a:ea typeface="Arial" charset="0"/>
+                <a:cs typeface="Arial" charset="0"/>
+                <a:sym typeface="Cabin"/>
+              </a:rPr>
+              <a:t>ciągiem znaków</a:t>
+            </a:r>
+            <a:r>
+              <a:rPr lang="en-US" sz="3000" b="0" i="0" u="none" strike="noStrike" cap="none" baseline="0" dirty="0">
+                <a:solidFill>
+                  <a:srgbClr val="FF7F00"/>
+                </a:solidFill>
+                <a:latin typeface="Arial" charset="0"/>
+                <a:ea typeface="Arial" charset="0"/>
+                <a:cs typeface="Arial" charset="0"/>
+                <a:sym typeface="Cabin"/>
+              </a:rPr>
+              <a:t>)</a:t>
+            </a:r>
+            <a:endParaRPr lang="pl" sz="3000" b="0" i="0" u="none" strike="noStrike" cap="none" baseline="0" dirty="0">
+              <a:solidFill>
+                <a:srgbClr val="FF7F00"/>
+              </a:solidFill>
+              <a:latin typeface="Arial" charset="0"/>
+              <a:ea typeface="Arial" charset="0"/>
+              <a:cs typeface="Arial" charset="0"/>
+              <a:sym typeface="Cabin"/>
+            </a:endParaRPr>
           </a:p>
           <a:p>
             <a:pPr marL="749300" marR="0" lvl="0" indent="-332994" algn="l" rtl="0">
@@ -17588,7 +18065,43 @@
                 <a:cs typeface="Arial" charset="0"/>
                 <a:sym typeface="Cabin"/>
               </a:rPr>
-              <a:t>Można skonwertować go do liczby, korzystając z </a:t>
+              <a:t>Można skonwertować go do liczby</a:t>
+            </a:r>
+            <a:r>
+              <a:rPr lang="en-US" sz="3000" b="0" i="0" u="none" strike="noStrike" cap="none" baseline="0" dirty="0">
+                <a:solidFill>
+                  <a:srgbClr val="00FFFF"/>
+                </a:solidFill>
+                <a:latin typeface="Arial" charset="0"/>
+                <a:ea typeface="Arial" charset="0"/>
+                <a:cs typeface="Arial" charset="0"/>
+                <a:sym typeface="Cabin"/>
+              </a:rPr>
+              <a:t> </a:t>
+            </a:r>
+            <a:r>
+              <a:rPr lang="pl-PL" sz="3000" b="0" i="0" u="none" strike="noStrike" cap="none" baseline="0" dirty="0">
+                <a:solidFill>
+                  <a:srgbClr val="00FFFF"/>
+                </a:solidFill>
+                <a:latin typeface="Arial" charset="0"/>
+                <a:ea typeface="Arial" charset="0"/>
+                <a:cs typeface="Arial" charset="0"/>
+                <a:sym typeface="Cabin"/>
+              </a:rPr>
+              <a:t>całkowitej</a:t>
+            </a:r>
+            <a:r>
+              <a:rPr lang="pl" sz="3000" b="0" i="0" u="none" strike="noStrike" cap="none" baseline="0" dirty="0">
+                <a:solidFill>
+                  <a:srgbClr val="00FFFF"/>
+                </a:solidFill>
+                <a:latin typeface="Arial" charset="0"/>
+                <a:ea typeface="Arial" charset="0"/>
+                <a:cs typeface="Arial" charset="0"/>
+                <a:sym typeface="Cabin"/>
+              </a:rPr>
+              <a:t>, korzystając z </a:t>
             </a:r>
             <a:r>
               <a:rPr lang="pl" sz="3000" b="0" i="0" u="none" strike="noStrike" cap="none" baseline="0" dirty="0">
@@ -18345,7 +18858,7 @@
               <a:buNone/>
             </a:pPr>
             <a:r>
-              <a:rPr lang="pl" sz="7600" b="0" i="0" u="none" strike="noStrike" cap="none" baseline="0">
+              <a:rPr lang="pl" sz="7600" b="0" i="0" u="none" strike="noStrike" cap="none" baseline="0" dirty="0">
                 <a:solidFill>
                   <a:srgbClr val="FFD966"/>
                 </a:solidFill>
@@ -18354,7 +18867,19 @@
                 <a:cs typeface="Arial" charset="0"/>
                 <a:sym typeface="Cabin"/>
               </a:rPr>
-              <a:t>Porównywanie ciągów znaków</a:t>
+              <a:t>Porównywanie </a:t>
+            </a:r>
+            <a:r>
+              <a:rPr lang="pl-PL" sz="7600" b="0" i="0" u="none" strike="noStrike" cap="none" baseline="0" dirty="0">
+                <a:solidFill>
+                  <a:srgbClr val="FFD966"/>
+                </a:solidFill>
+                <a:latin typeface="Arial" charset="0"/>
+                <a:ea typeface="Arial" charset="0"/>
+                <a:cs typeface="Arial" charset="0"/>
+                <a:sym typeface="Cabin"/>
+              </a:rPr>
+              <a:t>napisów</a:t>
             </a:r>
           </a:p>
         </p:txBody>
@@ -19433,7 +19958,19 @@
                 <a:cs typeface="Arial" charset="0"/>
                 <a:sym typeface="Cabin"/>
               </a:rPr>
-              <a:t>Biblioteka ciągów znaków</a:t>
+              <a:t>Biblioteka </a:t>
+            </a:r>
+            <a:r>
+              <a:rPr lang="pl-PL" sz="7600" b="0" i="0" u="none" strike="noStrike" cap="none" baseline="0" dirty="0">
+                <a:solidFill>
+                  <a:srgbClr val="FFD966"/>
+                </a:solidFill>
+                <a:latin typeface="Arial" charset="0"/>
+                <a:ea typeface="Arial" charset="0"/>
+                <a:cs typeface="Arial" charset="0"/>
+                <a:sym typeface="Cabin"/>
+              </a:rPr>
+              <a:t>napisów</a:t>
             </a:r>
           </a:p>
         </p:txBody>
@@ -19530,7 +20067,31 @@
                 <a:cs typeface="Arial" charset="0"/>
                 <a:sym typeface="Cabin"/>
               </a:rPr>
-              <a:t> bibliotece ciągów znaków</a:t>
+              <a:t> </a:t>
+            </a:r>
+            <a:r>
+              <a:rPr lang="pl" sz="3400" b="0" i="0" u="none" strike="noStrike" cap="none" baseline="0">
+                <a:solidFill>
+                  <a:srgbClr val="FF00FF"/>
+                </a:solidFill>
+                <a:latin typeface="Arial" charset="0"/>
+                <a:ea typeface="Arial" charset="0"/>
+                <a:cs typeface="Arial" charset="0"/>
+                <a:sym typeface="Cabin"/>
+              </a:rPr>
+              <a:t>bibliotece </a:t>
+            </a:r>
+            <a:r>
+              <a:rPr lang="pl-PL" sz="3400" b="0" i="0" u="none" strike="noStrike" cap="none" baseline="0">
+                <a:solidFill>
+                  <a:srgbClr val="FF00FF"/>
+                </a:solidFill>
+                <a:latin typeface="Arial" charset="0"/>
+                <a:ea typeface="Arial" charset="0"/>
+                <a:cs typeface="Arial" charset="0"/>
+                <a:sym typeface="Cabin"/>
+              </a:rPr>
+              <a:t>napisów</a:t>
             </a:r>
           </a:p>
           <a:p>
@@ -19552,6 +20113,18 @@
               <a:buChar char="•"/>
             </a:pPr>
             <a:r>
+              <a:rPr lang="pl" sz="3400" b="0" i="0" u="none" strike="noStrike" cap="none" baseline="0">
+                <a:solidFill>
+                  <a:schemeClr val="lt1"/>
+                </a:solidFill>
+                <a:latin typeface="Arial" charset="0"/>
+                <a:ea typeface="Arial" charset="0"/>
+                <a:cs typeface="Arial" charset="0"/>
+                <a:sym typeface="Cabin"/>
+              </a:rPr>
+              <a:t>Są </a:t>
+            </a:r>
+            <a:r>
               <a:rPr lang="pl" sz="3400" b="0" i="0" u="none" strike="noStrike" cap="none" baseline="0" dirty="0">
                 <a:solidFill>
                   <a:schemeClr val="lt1"/>
@@ -19561,7 +20134,7 @@
                 <a:cs typeface="Arial" charset="0"/>
                 <a:sym typeface="Cabin"/>
               </a:rPr>
-              <a:t>Są to </a:t>
+              <a:t>to </a:t>
             </a:r>
             <a:r>
               <a:rPr lang="pl" sz="3400" b="0" i="0" u="none" strike="noStrike" cap="none" baseline="0" dirty="0">
@@ -19609,7 +20182,43 @@
                 <a:cs typeface="Arial" charset="0"/>
                 <a:sym typeface="Cabin"/>
               </a:rPr>
-              <a:t> każdy ciąg znaków </a:t>
+              <a:t> </a:t>
+            </a:r>
+            <a:r>
+              <a:rPr lang="pl" sz="3400" b="0" i="0" u="none" strike="noStrike" cap="none" baseline="0">
+                <a:solidFill>
+                  <a:schemeClr val="lt1"/>
+                </a:solidFill>
+                <a:latin typeface="Arial" charset="0"/>
+                <a:ea typeface="Arial" charset="0"/>
+                <a:cs typeface="Arial" charset="0"/>
+                <a:sym typeface="Cabin"/>
+              </a:rPr>
+              <a:t>każdy </a:t>
+            </a:r>
+            <a:r>
+              <a:rPr lang="pl-PL" sz="3400" b="0" i="0" u="none" strike="noStrike" cap="none" baseline="0">
+                <a:solidFill>
+                  <a:schemeClr val="lt1"/>
+                </a:solidFill>
+                <a:latin typeface="Arial" charset="0"/>
+                <a:ea typeface="Arial" charset="0"/>
+                <a:cs typeface="Arial" charset="0"/>
+                <a:sym typeface="Cabin"/>
+              </a:rPr>
+              <a:t>napis</a:t>
+            </a:r>
+            <a:r>
+              <a:rPr lang="pl" sz="3400" b="0" i="0" u="none" strike="noStrike" cap="none" baseline="0">
+                <a:solidFill>
+                  <a:schemeClr val="lt1"/>
+                </a:solidFill>
+                <a:latin typeface="Arial" charset="0"/>
+                <a:ea typeface="Arial" charset="0"/>
+                <a:cs typeface="Arial" charset="0"/>
+                <a:sym typeface="Cabin"/>
+              </a:rPr>
+              <a:t> </a:t>
             </a:r>
             <a:r>
               <a:rPr lang="pl" sz="3600" b="0" i="0" u="none" baseline="0" dirty="0">
@@ -19630,7 +20239,31 @@
                 <a:cs typeface="Arial" charset="0"/>
                 <a:sym typeface="Cabin"/>
               </a:rPr>
-              <a:t> wywołujemy je, dodając funkcję do zmiennej ciągu</a:t>
+              <a:t> wywołujemy je, dodając funkcję do zmiennej </a:t>
+            </a:r>
+            <a:r>
+              <a:rPr lang="en-US" sz="3400" b="0" i="0" u="none" strike="noStrike" cap="none" baseline="0">
+                <a:solidFill>
+                  <a:schemeClr val="lt1"/>
+                </a:solidFill>
+                <a:latin typeface="Arial" charset="0"/>
+                <a:ea typeface="Arial" charset="0"/>
+                <a:cs typeface="Arial" charset="0"/>
+                <a:sym typeface="Cabin"/>
+              </a:rPr>
+              <a:t>z </a:t>
+            </a:r>
+            <a:r>
+              <a:rPr lang="pl-PL" sz="3400" b="0" i="0" u="none" strike="noStrike" cap="none" baseline="0">
+                <a:solidFill>
+                  <a:schemeClr val="lt1"/>
+                </a:solidFill>
+                <a:latin typeface="Arial" charset="0"/>
+                <a:ea typeface="Arial" charset="0"/>
+                <a:cs typeface="Arial" charset="0"/>
+                <a:sym typeface="Cabin"/>
+              </a:rPr>
+              <a:t>napisem</a:t>
             </a:r>
           </a:p>
           <a:p>
@@ -19652,28 +20285,76 @@
               <a:buChar char="•"/>
             </a:pPr>
             <a:r>
+              <a:rPr lang="pl" sz="3400" b="0" i="0" u="none" strike="noStrike" cap="none" baseline="0">
+                <a:solidFill>
+                  <a:schemeClr val="lt1"/>
+                </a:solidFill>
+                <a:latin typeface="Arial" charset="0"/>
+                <a:ea typeface="Arial" charset="0"/>
+                <a:cs typeface="Arial" charset="0"/>
+                <a:sym typeface="Cabin"/>
+              </a:rPr>
+              <a:t>Te </a:t>
+            </a:r>
+            <a:r>
               <a:rPr lang="pl" sz="3400" b="0" i="0" u="none" strike="noStrike" cap="none" baseline="0" dirty="0">
                 <a:solidFill>
-                  <a:schemeClr val="lt1"/>
-                </a:solidFill>
-                <a:latin typeface="Arial" charset="0"/>
-                <a:ea typeface="Arial" charset="0"/>
-                <a:cs typeface="Arial" charset="0"/>
-                <a:sym typeface="Cabin"/>
-              </a:rPr>
-              <a:t>Te </a:t>
+                  <a:srgbClr val="FF00FF"/>
+                </a:solidFill>
+                <a:latin typeface="Arial" charset="0"/>
+                <a:ea typeface="Arial" charset="0"/>
+                <a:cs typeface="Arial" charset="0"/>
+                <a:sym typeface="Cabin"/>
+              </a:rPr>
+              <a:t>funkcje</a:t>
             </a:r>
             <a:r>
               <a:rPr lang="pl" sz="3400" b="0" i="0" u="none" strike="noStrike" cap="none" baseline="0" dirty="0">
                 <a:solidFill>
-                  <a:srgbClr val="FF00FF"/>
-                </a:solidFill>
-                <a:latin typeface="Arial" charset="0"/>
-                <a:ea typeface="Arial" charset="0"/>
-                <a:cs typeface="Arial" charset="0"/>
-                <a:sym typeface="Cabin"/>
-              </a:rPr>
-              <a:t>funkcje</a:t>
+                  <a:schemeClr val="lt1"/>
+                </a:solidFill>
+                <a:latin typeface="Arial" charset="0"/>
+                <a:ea typeface="Arial" charset="0"/>
+                <a:cs typeface="Arial" charset="0"/>
+                <a:sym typeface="Cabin"/>
+              </a:rPr>
+              <a:t> nie modyfikują </a:t>
+            </a:r>
+            <a:r>
+              <a:rPr lang="pl" sz="3400" b="0" i="0" u="none" strike="noStrike" cap="none" baseline="0">
+                <a:solidFill>
+                  <a:schemeClr val="lt1"/>
+                </a:solidFill>
+                <a:latin typeface="Arial" charset="0"/>
+                <a:ea typeface="Arial" charset="0"/>
+                <a:cs typeface="Arial" charset="0"/>
+                <a:sym typeface="Cabin"/>
+              </a:rPr>
+              <a:t>oryginalnego </a:t>
+            </a:r>
+            <a:r>
+              <a:rPr lang="pl-PL" sz="3400" b="0" i="0" u="none" strike="noStrike" cap="none" baseline="0">
+                <a:solidFill>
+                  <a:schemeClr val="lt1"/>
+                </a:solidFill>
+                <a:latin typeface="Arial" charset="0"/>
+                <a:ea typeface="Arial" charset="0"/>
+                <a:cs typeface="Arial" charset="0"/>
+                <a:sym typeface="Cabin"/>
+              </a:rPr>
+              <a:t>napisu</a:t>
+            </a:r>
+            <a:r>
+              <a:rPr lang="pl" sz="3400" b="0" i="0" u="none" strike="noStrike" cap="none" baseline="0">
+                <a:solidFill>
+                  <a:schemeClr val="lt1"/>
+                </a:solidFill>
+                <a:latin typeface="Arial" charset="0"/>
+                <a:ea typeface="Arial" charset="0"/>
+                <a:cs typeface="Arial" charset="0"/>
+                <a:sym typeface="Cabin"/>
+              </a:rPr>
+              <a:t>, </a:t>
             </a:r>
             <a:r>
               <a:rPr lang="pl" sz="3400" b="0" i="0" u="none" strike="noStrike" cap="none" baseline="0" dirty="0">
@@ -19685,7 +20366,31 @@
                 <a:cs typeface="Arial" charset="0"/>
                 <a:sym typeface="Cabin"/>
               </a:rPr>
-              <a:t> nie modyfikują oryginalnego ciągu, zwracają nowy, zmodyfikowany ciąg znaków</a:t>
+              <a:t>zwracają nowy, </a:t>
+            </a:r>
+            <a:r>
+              <a:rPr lang="pl" sz="3400" b="0" i="0" u="none" strike="noStrike" cap="none" baseline="0">
+                <a:solidFill>
+                  <a:schemeClr val="lt1"/>
+                </a:solidFill>
+                <a:latin typeface="Arial" charset="0"/>
+                <a:ea typeface="Arial" charset="0"/>
+                <a:cs typeface="Arial" charset="0"/>
+                <a:sym typeface="Cabin"/>
+              </a:rPr>
+              <a:t>zmodyfikowany </a:t>
+            </a:r>
+            <a:r>
+              <a:rPr lang="pl-PL" sz="3400" b="0" i="0" u="none" strike="noStrike" cap="none" baseline="0">
+                <a:solidFill>
+                  <a:schemeClr val="lt1"/>
+                </a:solidFill>
+                <a:latin typeface="Arial" charset="0"/>
+                <a:ea typeface="Arial" charset="0"/>
+                <a:cs typeface="Arial" charset="0"/>
+                <a:sym typeface="Cabin"/>
+              </a:rPr>
+              <a:t>napis</a:t>
             </a:r>
           </a:p>
         </p:txBody>
@@ -21375,7 +22080,7 @@
               <a:buNone/>
             </a:pPr>
             <a:r>
-              <a:rPr lang="pl" sz="7600" b="0" i="0" u="none" strike="noStrike" cap="none" baseline="0">
+              <a:rPr lang="pl" sz="7600" b="0" i="0" u="none" strike="noStrike" cap="none" baseline="0" dirty="0">
                 <a:solidFill>
                   <a:srgbClr val="FFD966"/>
                 </a:solidFill>
@@ -21384,7 +22089,19 @@
                 <a:cs typeface="Arial" charset="0"/>
                 <a:sym typeface="Cabin"/>
               </a:rPr>
-              <a:t>Biblioteka ciągów znaków</a:t>
+              <a:t>Biblioteka </a:t>
+            </a:r>
+            <a:r>
+              <a:rPr lang="pl-PL" sz="7600" b="0" i="0" u="none" strike="noStrike" cap="none" baseline="0" dirty="0">
+                <a:solidFill>
+                  <a:srgbClr val="FFD966"/>
+                </a:solidFill>
+                <a:latin typeface="Arial" charset="0"/>
+                <a:ea typeface="Arial" charset="0"/>
+                <a:cs typeface="Arial" charset="0"/>
+                <a:sym typeface="Cabin"/>
+              </a:rPr>
+              <a:t>napisów</a:t>
             </a:r>
           </a:p>
         </p:txBody>
@@ -21470,7 +22187,31 @@
                 <a:cs typeface="Arial" charset="0"/>
                 <a:sym typeface="Cabin"/>
               </a:rPr>
-              <a:t>Wyszukiwanie w ciągu znaków</a:t>
+              <a:t>Wyszukiwanie </a:t>
+            </a:r>
+            <a:r>
+              <a:rPr lang="pl" sz="6700" b="0" i="0" u="none" strike="noStrike" cap="none" baseline="0">
+                <a:solidFill>
+                  <a:srgbClr val="FFD966"/>
+                </a:solidFill>
+                <a:latin typeface="Arial" charset="0"/>
+                <a:ea typeface="Arial" charset="0"/>
+                <a:cs typeface="Arial" charset="0"/>
+                <a:sym typeface="Cabin"/>
+              </a:rPr>
+              <a:t>w </a:t>
+            </a:r>
+            <a:r>
+              <a:rPr lang="pl-PL" sz="6700" b="0" i="0" u="none" strike="noStrike" cap="none" baseline="0">
+                <a:solidFill>
+                  <a:srgbClr val="FFD966"/>
+                </a:solidFill>
+                <a:latin typeface="Arial" charset="0"/>
+                <a:ea typeface="Arial" charset="0"/>
+                <a:cs typeface="Arial" charset="0"/>
+                <a:sym typeface="Cabin"/>
+              </a:rPr>
+              <a:t>napisach</a:t>
             </a:r>
           </a:p>
         </p:txBody>
@@ -21543,7 +22284,7 @@
                 <a:cs typeface="Arial" charset="0"/>
                 <a:sym typeface="Cabin"/>
               </a:rPr>
-              <a:t> find()</a:t>
+              <a:t>find()</a:t>
             </a:r>
             <a:r>
               <a:rPr lang="pl" sz="3400" b="0" i="0" u="none" strike="noStrike" cap="none" baseline="0" dirty="0">
@@ -21555,7 +22296,67 @@
                 <a:cs typeface="Arial" charset="0"/>
                 <a:sym typeface="Cabin"/>
               </a:rPr>
-              <a:t> używamy do szukania jednego podciągu ciągu w innym</a:t>
+              <a:t> używamy do szukania jednego </a:t>
+            </a:r>
+            <a:r>
+              <a:rPr lang="pl-PL" sz="3400" b="0" i="0" u="none" strike="noStrike" cap="none" baseline="0" dirty="0">
+                <a:solidFill>
+                  <a:schemeClr val="lt1"/>
+                </a:solidFill>
+                <a:latin typeface="Arial" charset="0"/>
+                <a:ea typeface="Arial" charset="0"/>
+                <a:cs typeface="Arial" charset="0"/>
+                <a:sym typeface="Cabin"/>
+              </a:rPr>
+              <a:t>napisu</a:t>
+            </a:r>
+            <a:r>
+              <a:rPr lang="en-US" sz="3400" b="0" i="0" u="none" strike="noStrike" cap="none" baseline="0" dirty="0">
+                <a:solidFill>
+                  <a:schemeClr val="lt1"/>
+                </a:solidFill>
+                <a:latin typeface="Arial" charset="0"/>
+                <a:ea typeface="Arial" charset="0"/>
+                <a:cs typeface="Arial" charset="0"/>
+                <a:sym typeface="Cabin"/>
+              </a:rPr>
+              <a:t> (</a:t>
+            </a:r>
+            <a:r>
+              <a:rPr lang="pl-PL" sz="3400" b="0" i="0" u="none" strike="noStrike" cap="none" baseline="0" dirty="0">
+                <a:solidFill>
+                  <a:schemeClr val="lt1"/>
+                </a:solidFill>
+                <a:latin typeface="Arial" charset="0"/>
+                <a:ea typeface="Arial" charset="0"/>
+                <a:cs typeface="Arial" charset="0"/>
+                <a:sym typeface="Cabin"/>
+              </a:rPr>
+              <a:t>podciągu</a:t>
+            </a:r>
+            <a:r>
+              <a:rPr lang="en-US" sz="3400" b="0" i="0" u="none" strike="noStrike" cap="none" baseline="0" dirty="0">
+                <a:solidFill>
+                  <a:schemeClr val="lt1"/>
+                </a:solidFill>
+                <a:latin typeface="Arial" charset="0"/>
+                <a:ea typeface="Arial" charset="0"/>
+                <a:cs typeface="Arial" charset="0"/>
+                <a:sym typeface="Cabin"/>
+              </a:rPr>
+              <a:t>) </a:t>
+            </a:r>
+            <a:r>
+              <a:rPr lang="pl" sz="3400" b="0" i="0" u="none" strike="noStrike" cap="none" baseline="0" dirty="0">
+                <a:solidFill>
+                  <a:schemeClr val="lt1"/>
+                </a:solidFill>
+                <a:latin typeface="Arial" charset="0"/>
+                <a:ea typeface="Arial" charset="0"/>
+                <a:cs typeface="Arial" charset="0"/>
+                <a:sym typeface="Cabin"/>
+              </a:rPr>
+              <a:t>w innym</a:t>
             </a:r>
             <a:endParaRPr lang="pl" sz="3400" dirty="0">
               <a:solidFill>
@@ -21757,7 +22558,31 @@
                 <a:cs typeface="Arial" charset="0"/>
                 <a:sym typeface="Cabin"/>
               </a:rPr>
-              <a:t>Pamiętaj, że pozycje w ciągach zaczynają się od zera</a:t>
+              <a:t>Pamiętaj, że pozycje w </a:t>
+            </a:r>
+            <a:r>
+              <a:rPr lang="pl-PL" sz="3400" b="0" i="0" u="none" strike="noStrike" cap="none" baseline="0" dirty="0">
+                <a:solidFill>
+                  <a:srgbClr val="FFFF00"/>
+                </a:solidFill>
+                <a:latin typeface="Arial" charset="0"/>
+                <a:ea typeface="Arial" charset="0"/>
+                <a:cs typeface="Arial" charset="0"/>
+                <a:sym typeface="Cabin"/>
+              </a:rPr>
+              <a:t>napisach</a:t>
+            </a:r>
+            <a:r>
+              <a:rPr lang="pl" sz="3400" b="0" i="0" u="none" strike="noStrike" cap="none" baseline="0" dirty="0">
+                <a:solidFill>
+                  <a:srgbClr val="FFFF00"/>
+                </a:solidFill>
+                <a:latin typeface="Arial" charset="0"/>
+                <a:ea typeface="Arial" charset="0"/>
+                <a:cs typeface="Arial" charset="0"/>
+                <a:sym typeface="Cabin"/>
+              </a:rPr>
+              <a:t> zaczynają się od zera</a:t>
             </a:r>
           </a:p>
         </p:txBody>
@@ -23147,7 +23972,31 @@
                 <a:cs typeface="Arial" charset="0"/>
                 <a:sym typeface="Cabin"/>
               </a:rPr>
-              <a:t>Możesz stworzyć kopię ciągu pisaną </a:t>
+              <a:t>Możesz stworzyć kopię </a:t>
+            </a:r>
+            <a:r>
+              <a:rPr lang="pl-PL" sz="3600" b="0" i="0" u="none" strike="noStrike" cap="none" baseline="0" dirty="0">
+                <a:solidFill>
+                  <a:schemeClr val="lt1"/>
+                </a:solidFill>
+                <a:latin typeface="Arial" charset="0"/>
+                <a:ea typeface="Arial" charset="0"/>
+                <a:cs typeface="Arial" charset="0"/>
+                <a:sym typeface="Cabin"/>
+              </a:rPr>
+              <a:t>napisu</a:t>
+            </a:r>
+            <a:r>
+              <a:rPr lang="pl" sz="3600" b="0" i="0" u="none" strike="noStrike" cap="none" baseline="0" dirty="0">
+                <a:solidFill>
+                  <a:schemeClr val="lt1"/>
+                </a:solidFill>
+                <a:latin typeface="Arial" charset="0"/>
+                <a:ea typeface="Arial" charset="0"/>
+                <a:cs typeface="Arial" charset="0"/>
+                <a:sym typeface="Cabin"/>
+              </a:rPr>
+              <a:t> pisaną </a:t>
             </a:r>
             <a:r>
               <a:rPr lang="pl" sz="3600" b="0" i="0" u="none" strike="noStrike" cap="none" baseline="0" dirty="0">
@@ -23214,7 +24063,31 @@
                 <a:cs typeface="Arial" charset="0"/>
                 <a:sym typeface="Cabin"/>
               </a:rPr>
-              <a:t>Często gdy przeszukujemy ciąg, używając </a:t>
+              <a:t>Często gdy przeszukujemy </a:t>
+            </a:r>
+            <a:r>
+              <a:rPr lang="pl-PL" sz="3600" b="0" i="0" u="none" strike="noStrike" cap="none" baseline="0" dirty="0">
+                <a:solidFill>
+                  <a:schemeClr val="lt1"/>
+                </a:solidFill>
+                <a:latin typeface="Arial" charset="0"/>
+                <a:ea typeface="Arial" charset="0"/>
+                <a:cs typeface="Arial" charset="0"/>
+                <a:sym typeface="Cabin"/>
+              </a:rPr>
+              <a:t>napis</a:t>
+            </a:r>
+            <a:r>
+              <a:rPr lang="pl" sz="3600" b="0" i="0" u="none" strike="noStrike" cap="none" baseline="0" dirty="0">
+                <a:solidFill>
+                  <a:schemeClr val="lt1"/>
+                </a:solidFill>
+                <a:latin typeface="Arial" charset="0"/>
+                <a:ea typeface="Arial" charset="0"/>
+                <a:cs typeface="Arial" charset="0"/>
+                <a:sym typeface="Cabin"/>
+              </a:rPr>
+              <a:t>, używając </a:t>
             </a:r>
             <a:r>
               <a:rPr lang="pl" sz="3600" b="0" i="0" u="none" strike="noStrike" cap="none" baseline="0" dirty="0">
@@ -24133,19 +25006,55 @@
                 <a:cs typeface="Arial" charset="0"/>
                 <a:sym typeface="Cabin"/>
               </a:rPr>
-              <a:t>ciągu </a:t>
+              <a:t>ciągu</a:t>
+            </a:r>
+            <a:r>
+              <a:rPr lang="en-US" sz="3600" b="0" i="0" u="none" strike="noStrike" cap="none" baseline="0" dirty="0">
+                <a:solidFill>
+                  <a:srgbClr val="00FF00"/>
+                </a:solidFill>
+                <a:latin typeface="Arial" charset="0"/>
+                <a:ea typeface="Arial" charset="0"/>
+                <a:cs typeface="Arial" charset="0"/>
+                <a:sym typeface="Cabin"/>
+              </a:rPr>
+              <a:t> </a:t>
+            </a:r>
+            <a:r>
+              <a:rPr lang="pl-PL" sz="3600" b="0" i="0" u="none" strike="noStrike" cap="none" baseline="0" dirty="0">
+                <a:solidFill>
+                  <a:srgbClr val="00FF00"/>
+                </a:solidFill>
+                <a:latin typeface="Arial" charset="0"/>
+                <a:ea typeface="Arial" charset="0"/>
+                <a:cs typeface="Arial" charset="0"/>
+                <a:sym typeface="Cabin"/>
+              </a:rPr>
+              <a:t>znaków</a:t>
             </a:r>
             <a:r>
               <a:rPr lang="pl" sz="3600" b="0" i="0" u="none" strike="noStrike" cap="none" baseline="0" dirty="0">
                 <a:solidFill>
-                  <a:schemeClr val="lt1"/>
-                </a:solidFill>
-                <a:latin typeface="Arial" charset="0"/>
-                <a:ea typeface="Arial" charset="0"/>
-                <a:cs typeface="Arial" charset="0"/>
-                <a:sym typeface="Cabin"/>
-              </a:rPr>
-              <a:t> na </a:t>
+                  <a:srgbClr val="00FF00"/>
+                </a:solidFill>
+                <a:latin typeface="Arial" charset="0"/>
+                <a:ea typeface="Arial" charset="0"/>
+                <a:cs typeface="Arial" charset="0"/>
+                <a:sym typeface="Cabin"/>
+              </a:rPr>
+              <a:t> </a:t>
+            </a:r>
+            <a:r>
+              <a:rPr lang="pl" sz="3600" b="0" i="0" u="none" strike="noStrike" cap="none" baseline="0" dirty="0">
+                <a:solidFill>
+                  <a:schemeClr val="lt1"/>
+                </a:solidFill>
+                <a:latin typeface="Arial" charset="0"/>
+                <a:ea typeface="Arial" charset="0"/>
+                <a:cs typeface="Arial" charset="0"/>
+                <a:sym typeface="Cabin"/>
+              </a:rPr>
+              <a:t>na </a:t>
             </a:r>
             <a:r>
               <a:rPr lang="pl" sz="3600" b="0" i="0" u="none" strike="noStrike" cap="none" baseline="0" dirty="0">
@@ -25971,7 +26880,7 @@
               <a:buNone/>
             </a:pPr>
             <a:r>
-              <a:rPr lang="pl" sz="7600" b="0" i="0" u="none" strike="noStrike" cap="none" baseline="0">
+              <a:rPr lang="pl-PL" sz="7600" b="0" i="0" u="none" strike="noStrike" cap="none" baseline="0" dirty="0">
                 <a:solidFill>
                   <a:srgbClr val="FFD966"/>
                 </a:solidFill>
@@ -25980,7 +26889,7 @@
                 <a:cs typeface="Arial" charset="0"/>
                 <a:sym typeface="Cabin"/>
               </a:rPr>
-              <a:t>Prefiksy</a:t>
+              <a:t>Przedrostki</a:t>
             </a:r>
           </a:p>
         </p:txBody>
@@ -26130,7 +27039,7 @@
               <a:t>Najlepiej wczytywać dane jako </a:t>
             </a:r>
             <a:r>
-              <a:rPr lang="pl" sz="3000" b="0" i="0" u="none" strike="noStrike" cap="none" baseline="0" dirty="0">
+              <a:rPr lang="pl-PL" sz="3000" b="0" i="0" u="none" strike="noStrike" cap="none" baseline="0" dirty="0">
                 <a:solidFill>
                   <a:srgbClr val="FF7F00"/>
                 </a:solidFill>
@@ -26139,7 +27048,7 @@
                 <a:cs typeface="Arial" charset="0"/>
                 <a:sym typeface="Cabin"/>
               </a:rPr>
-              <a:t>ciągi znaków</a:t>
+              <a:t>napisy</a:t>
             </a:r>
             <a:r>
               <a:rPr lang="pl" sz="3000" b="0" i="0" u="none" strike="noStrike" cap="none" baseline="0" dirty="0">
@@ -26246,7 +27155,19 @@
                 <a:cs typeface="Arial" charset="0"/>
                 <a:sym typeface="Cabin"/>
               </a:rPr>
-              <a:t> ciągi znaków</a:t>
+              <a:t> </a:t>
+            </a:r>
+            <a:r>
+              <a:rPr lang="pl-PL" sz="3000" b="0" i="0" u="none" strike="noStrike" cap="none" baseline="0" dirty="0">
+                <a:solidFill>
+                  <a:schemeClr val="lt1"/>
+                </a:solidFill>
+                <a:latin typeface="Arial" charset="0"/>
+                <a:ea typeface="Arial" charset="0"/>
+                <a:cs typeface="Arial" charset="0"/>
+                <a:sym typeface="Cabin"/>
+              </a:rPr>
+              <a:t>napisy</a:t>
             </a:r>
           </a:p>
         </p:txBody>
@@ -28511,14 +29432,30 @@
           <a:p>
             <a:pPr rtl="0"/>
             <a:r>
+              <a:rPr lang="pl" sz="7200" b="0" i="0" u="none" baseline="0" dirty="0">
+                <a:solidFill>
+                  <a:srgbClr val="FFD966"/>
+                </a:solidFill>
+              </a:rPr>
+              <a:t>Dwa </a:t>
+            </a:r>
+            <a:r>
               <a:rPr lang="pl" sz="7200" b="0" i="0" u="none" baseline="0">
                 <a:solidFill>
                   <a:srgbClr val="FFD966"/>
                 </a:solidFill>
               </a:rPr>
-              <a:t>Dwa rodzaje ciągów znaków</a:t>
-            </a:r>
-            <a:endParaRPr lang="pl" sz="7200" dirty="0">
+              <a:t>rodzaje </a:t>
+            </a:r>
+            <a:r>
+              <a:rPr lang="pl-PL" sz="7200" b="0" i="0" u="none" baseline="0">
+                <a:solidFill>
+                  <a:srgbClr val="FFD966"/>
+                </a:solidFill>
+              </a:rPr>
+              <a:t>napisów</a:t>
+            </a:r>
+            <a:endParaRPr lang="pl-PL" sz="7200">
               <a:solidFill>
                 <a:srgbClr val="FFD966"/>
               </a:solidFill>
@@ -28841,7 +29778,23 @@
                   <a:srgbClr val="00FA00"/>
                 </a:solidFill>
               </a:rPr>
-              <a:t>W Pythonie 3 wszystkie ciągi stosują Unicode</a:t>
+              <a:t>W Pythonie 3 wszystkie </a:t>
+            </a:r>
+            <a:r>
+              <a:rPr lang="pl-PL" sz="3600" b="0" i="0" u="none" baseline="0" dirty="0">
+                <a:solidFill>
+                  <a:srgbClr val="00FA00"/>
+                </a:solidFill>
+              </a:rPr>
+              <a:t>napisy</a:t>
+            </a:r>
+            <a:r>
+              <a:rPr lang="pl" sz="3600" b="0" i="0" u="none" baseline="0" dirty="0">
+                <a:solidFill>
+                  <a:srgbClr val="00FA00"/>
+                </a:solidFill>
+              </a:rPr>
+              <a:t> stosują Unicode</a:t>
             </a:r>
             <a:endParaRPr lang="pl" sz="3600" dirty="0">
               <a:solidFill>
@@ -28994,7 +29947,31 @@
                 <a:cs typeface="Arial" charset="0"/>
                 <a:sym typeface="Cabin"/>
               </a:rPr>
-              <a:t>Typ danych: ciąg znaków</a:t>
+              <a:t>Typ danych</a:t>
+            </a:r>
+            <a:r>
+              <a:rPr lang="pl" sz="3200" b="0" i="0" u="none" strike="noStrike" cap="none" baseline="0">
+                <a:solidFill>
+                  <a:schemeClr val="lt1"/>
+                </a:solidFill>
+                <a:latin typeface="Arial" charset="0"/>
+                <a:ea typeface="Arial" charset="0"/>
+                <a:cs typeface="Arial" charset="0"/>
+                <a:sym typeface="Cabin"/>
+              </a:rPr>
+              <a:t>: </a:t>
+            </a:r>
+            <a:r>
+              <a:rPr lang="pl-PL" sz="3200" b="0" i="0" u="none" strike="noStrike" cap="none" baseline="0">
+                <a:solidFill>
+                  <a:schemeClr val="lt1"/>
+                </a:solidFill>
+                <a:latin typeface="Arial" charset="0"/>
+                <a:ea typeface="Arial" charset="0"/>
+                <a:cs typeface="Arial" charset="0"/>
+                <a:sym typeface="Cabin"/>
+              </a:rPr>
+              <a:t>napis</a:t>
             </a:r>
           </a:p>
           <a:p>
@@ -29016,6 +29993,18 @@
               <a:buChar char="•"/>
             </a:pPr>
             <a:r>
+              <a:rPr lang="pl" sz="3200" b="0" i="0" u="none" strike="noStrike" cap="none" baseline="0">
+                <a:solidFill>
+                  <a:schemeClr val="lt1"/>
+                </a:solidFill>
+                <a:latin typeface="Arial" charset="0"/>
+                <a:ea typeface="Arial" charset="0"/>
+                <a:cs typeface="Arial" charset="0"/>
+                <a:sym typeface="Cabin"/>
+              </a:rPr>
+              <a:t>Czytanie</a:t>
+            </a:r>
+            <a:r>
               <a:rPr lang="pl" sz="3200" b="0" i="0" u="none" strike="noStrike" cap="none" baseline="0" dirty="0">
                 <a:solidFill>
                   <a:schemeClr val="lt1"/>
@@ -29025,7 +30014,7 @@
                 <a:cs typeface="Arial" charset="0"/>
                 <a:sym typeface="Cabin"/>
               </a:rPr>
-              <a:t>Czytanie/Konwersja</a:t>
+              <a:t>/Konwersja</a:t>
             </a:r>
           </a:p>
           <a:p>
@@ -29047,16 +30036,40 @@
               <a:buChar char="•"/>
             </a:pPr>
             <a:r>
-              <a:rPr lang="pl" sz="3200" b="0" i="0" u="none" strike="noStrike" cap="none" baseline="0" dirty="0">
-                <a:solidFill>
-                  <a:schemeClr val="lt1"/>
-                </a:solidFill>
-                <a:latin typeface="Arial" charset="0"/>
-                <a:ea typeface="Arial" charset="0"/>
-                <a:cs typeface="Arial" charset="0"/>
-                <a:sym typeface="Cabin"/>
-              </a:rPr>
-              <a:t>Indeksowanie ciągów </a:t>
+              <a:rPr lang="pl" sz="3200" b="0" i="0" u="none" strike="noStrike" cap="none" baseline="0">
+                <a:solidFill>
+                  <a:schemeClr val="lt1"/>
+                </a:solidFill>
+                <a:latin typeface="Arial" charset="0"/>
+                <a:ea typeface="Arial" charset="0"/>
+                <a:cs typeface="Arial" charset="0"/>
+                <a:sym typeface="Cabin"/>
+              </a:rPr>
+              <a:t>Indeksowanie </a:t>
+            </a:r>
+            <a:r>
+              <a:rPr lang="pl-PL" sz="3200" b="0" i="0" u="none" strike="noStrike" cap="none" baseline="0">
+                <a:solidFill>
+                  <a:schemeClr val="lt1"/>
+                </a:solidFill>
+                <a:latin typeface="Arial" charset="0"/>
+                <a:ea typeface="Arial" charset="0"/>
+                <a:cs typeface="Arial" charset="0"/>
+                <a:sym typeface="Cabin"/>
+              </a:rPr>
+              <a:t>napisów</a:t>
+            </a:r>
+            <a:r>
+              <a:rPr lang="pl" sz="3200" b="0" i="0" u="none" strike="noStrike" cap="none" baseline="0">
+                <a:solidFill>
+                  <a:schemeClr val="lt1"/>
+                </a:solidFill>
+                <a:latin typeface="Arial" charset="0"/>
+                <a:ea typeface="Arial" charset="0"/>
+                <a:cs typeface="Arial" charset="0"/>
+                <a:sym typeface="Cabin"/>
+              </a:rPr>
+              <a:t> </a:t>
             </a:r>
             <a:r>
               <a:rPr lang="pl" sz="3200" b="0" i="0" u="none" strike="noStrike" cap="none" baseline="0" dirty="0">
@@ -29166,7 +30179,43 @@
                 <a:cs typeface="Arial" charset="0"/>
                 <a:sym typeface="Cabin"/>
               </a:rPr>
-              <a:t>Przechodzenie przez ciąg </a:t>
+              <a:t>Przechodzenie </a:t>
+            </a:r>
+            <a:r>
+              <a:rPr lang="pl" sz="3200" b="0" i="0" u="none" baseline="0">
+                <a:solidFill>
+                  <a:schemeClr val="lt1"/>
+                </a:solidFill>
+                <a:latin typeface="Arial" charset="0"/>
+                <a:ea typeface="Arial" charset="0"/>
+                <a:cs typeface="Arial" charset="0"/>
+                <a:sym typeface="Cabin"/>
+              </a:rPr>
+              <a:t>przez </a:t>
+            </a:r>
+            <a:r>
+              <a:rPr lang="pl-PL" sz="3200" b="0" i="0" u="none" baseline="0">
+                <a:solidFill>
+                  <a:schemeClr val="lt1"/>
+                </a:solidFill>
+                <a:latin typeface="Arial" charset="0"/>
+                <a:ea typeface="Arial" charset="0"/>
+                <a:cs typeface="Arial" charset="0"/>
+                <a:sym typeface="Cabin"/>
+              </a:rPr>
+              <a:t>napis</a:t>
+            </a:r>
+            <a:r>
+              <a:rPr lang="pl" sz="3200" b="0" i="0" u="none" baseline="0">
+                <a:solidFill>
+                  <a:schemeClr val="lt1"/>
+                </a:solidFill>
+                <a:latin typeface="Arial" charset="0"/>
+                <a:ea typeface="Arial" charset="0"/>
+                <a:cs typeface="Arial" charset="0"/>
+                <a:sym typeface="Cabin"/>
+              </a:rPr>
+              <a:t> </a:t>
             </a:r>
             <a:br>
               <a:rPr lang="pl" sz="3200" dirty="0">
@@ -29247,6 +30296,42 @@
               <a:buChar char="•"/>
             </a:pPr>
             <a:r>
+              <a:rPr lang="pl" sz="3200" b="0" i="0" u="none" baseline="0">
+                <a:solidFill>
+                  <a:schemeClr val="lt1"/>
+                </a:solidFill>
+                <a:latin typeface="Arial" charset="0"/>
+                <a:ea typeface="Arial" charset="0"/>
+                <a:cs typeface="Arial" charset="0"/>
+                <a:sym typeface="Cabin"/>
+              </a:rPr>
+              <a:t>Konkatenacja </a:t>
+            </a:r>
+            <a:r>
+              <a:rPr lang="pl-PL" sz="3200" b="0" i="0" u="none" baseline="0">
+                <a:solidFill>
+                  <a:schemeClr val="lt1"/>
+                </a:solidFill>
+                <a:latin typeface="Arial" charset="0"/>
+                <a:ea typeface="Arial" charset="0"/>
+                <a:cs typeface="Arial" charset="0"/>
+                <a:sym typeface="Cabin"/>
+              </a:rPr>
+              <a:t>napisów</a:t>
+            </a:r>
+            <a:r>
+              <a:rPr lang="pl" sz="3200" b="0" i="0" u="none" baseline="0">
+                <a:solidFill>
+                  <a:schemeClr val="lt1"/>
+                </a:solidFill>
+                <a:latin typeface="Arial" charset="0"/>
+                <a:ea typeface="Arial" charset="0"/>
+                <a:cs typeface="Arial" charset="0"/>
+                <a:sym typeface="Cabin"/>
+              </a:rPr>
+              <a:t> </a:t>
+            </a:r>
+            <a:r>
               <a:rPr lang="pl" sz="3200" b="0" i="0" u="none" baseline="0" dirty="0">
                 <a:solidFill>
                   <a:schemeClr val="lt1"/>
@@ -29256,7 +30341,7 @@
                 <a:cs typeface="Arial" charset="0"/>
                 <a:sym typeface="Cabin"/>
               </a:rPr>
-              <a:t>Konkatenacja ciągów opertorem </a:t>
+              <a:t>opertorem </a:t>
             </a:r>
             <a:r>
               <a:rPr lang="pl" sz="3200" b="0" i="0" u="none" baseline="0" dirty="0">
@@ -29329,7 +30414,19 @@
                 <a:cs typeface="Arial" charset="0"/>
                 <a:sym typeface="Cabin"/>
               </a:rPr>
-              <a:t>Operacje na ciągach znaków </a:t>
+              <a:t>Operacje na </a:t>
+            </a:r>
+            <a:r>
+              <a:rPr lang="pl-PL" b="0" i="0" u="none" strike="noStrike" cap="none" baseline="0" dirty="0">
+                <a:solidFill>
+                  <a:schemeClr val="lt1"/>
+                </a:solidFill>
+                <a:latin typeface="Arial" charset="0"/>
+                <a:ea typeface="Arial" charset="0"/>
+                <a:cs typeface="Arial" charset="0"/>
+                <a:sym typeface="Cabin"/>
+              </a:rPr>
+              <a:t>napisach</a:t>
             </a:r>
           </a:p>
           <a:p>
@@ -29360,7 +30457,19 @@
                 <a:cs typeface="Arial" charset="0"/>
                 <a:sym typeface="Cabin"/>
               </a:rPr>
-              <a:t>Biblioteka ciągów znaków</a:t>
+              <a:t>Biblioteka </a:t>
+            </a:r>
+            <a:r>
+              <a:rPr lang="pl-PL" b="0" i="0" u="none" baseline="0" dirty="0">
+                <a:solidFill>
+                  <a:schemeClr val="lt1"/>
+                </a:solidFill>
+                <a:latin typeface="Arial" charset="0"/>
+                <a:ea typeface="Arial" charset="0"/>
+                <a:cs typeface="Arial" charset="0"/>
+                <a:sym typeface="Cabin"/>
+              </a:rPr>
+              <a:t>napisów</a:t>
             </a:r>
           </a:p>
           <a:p>
@@ -29391,7 +30500,19 @@
                 <a:cs typeface="Arial" charset="0"/>
                 <a:sym typeface="Cabin"/>
               </a:rPr>
-              <a:t>Porównywanie ciągów znaków</a:t>
+              <a:t>Porównywanie </a:t>
+            </a:r>
+            <a:r>
+              <a:rPr lang="pl-PL" b="0" i="0" u="none" baseline="0" dirty="0">
+                <a:solidFill>
+                  <a:schemeClr val="lt1"/>
+                </a:solidFill>
+                <a:latin typeface="Arial" charset="0"/>
+                <a:ea typeface="Arial" charset="0"/>
+                <a:cs typeface="Arial" charset="0"/>
+                <a:sym typeface="Cabin"/>
+              </a:rPr>
+              <a:t>napisów</a:t>
             </a:r>
           </a:p>
           <a:p>
@@ -29422,7 +30543,19 @@
                 <a:cs typeface="Arial" charset="0"/>
                 <a:sym typeface="Cabin"/>
               </a:rPr>
-              <a:t>Wyszukiwanie w ciągu znaków</a:t>
+              <a:t>Wyszukiwanie w </a:t>
+            </a:r>
+            <a:r>
+              <a:rPr lang="pl-PL" b="0" i="0" u="none" baseline="0" dirty="0">
+                <a:solidFill>
+                  <a:schemeClr val="lt1"/>
+                </a:solidFill>
+                <a:latin typeface="Arial" charset="0"/>
+                <a:ea typeface="Arial" charset="0"/>
+                <a:cs typeface="Arial" charset="0"/>
+                <a:sym typeface="Cabin"/>
+              </a:rPr>
+              <a:t>napisie</a:t>
             </a:r>
           </a:p>
           <a:p>
@@ -30009,7 +31142,7 @@
               <a:buNone/>
             </a:pPr>
             <a:r>
-              <a:rPr lang="pl" sz="7600" b="0" i="0" u="none" strike="noStrike" cap="none" baseline="0">
+              <a:rPr lang="pl" sz="7600" b="0" i="0" u="none" strike="noStrike" cap="none" baseline="0" dirty="0">
                 <a:solidFill>
                   <a:srgbClr val="FFD966"/>
                 </a:solidFill>
@@ -30018,7 +31151,19 @@
                 <a:cs typeface="Arial" charset="0"/>
                 <a:sym typeface="Cabin"/>
               </a:rPr>
-              <a:t>Przyjrzyjmy się ciągom</a:t>
+              <a:t>Przyjrzyjmy się </a:t>
+            </a:r>
+            <a:r>
+              <a:rPr lang="pl-PL" sz="7600" b="0" i="0" u="none" strike="noStrike" cap="none" baseline="0" dirty="0">
+                <a:solidFill>
+                  <a:srgbClr val="FFD966"/>
+                </a:solidFill>
+                <a:latin typeface="Arial" charset="0"/>
+                <a:ea typeface="Arial" charset="0"/>
+                <a:cs typeface="Arial" charset="0"/>
+                <a:sym typeface="Cabin"/>
+              </a:rPr>
+              <a:t>napisom</a:t>
             </a:r>
           </a:p>
         </p:txBody>
@@ -30070,19 +31215,43 @@
               <a:buChar char="•"/>
             </a:pPr>
             <a:r>
-              <a:rPr lang="pl" sz="3600" b="0" i="0" u="none" strike="noStrike" cap="none" baseline="0">
-                <a:solidFill>
-                  <a:schemeClr val="lt1"/>
-                </a:solidFill>
-                <a:latin typeface="Arial" charset="0"/>
-                <a:ea typeface="Arial" charset="0"/>
-                <a:cs typeface="Arial" charset="0"/>
-                <a:sym typeface="Cabin"/>
-              </a:rPr>
-              <a:t>Możemy wybrać dowolny pojedynczy znak z ciągu za pomocą indeksu określonego w</a:t>
-            </a:r>
-            <a:r>
-              <a:rPr lang="pl" sz="3600" b="0" i="0" u="none" strike="noStrike" cap="none" baseline="0">
+              <a:rPr lang="pl" sz="3600" b="0" i="0" u="none" strike="noStrike" cap="none" baseline="0" dirty="0">
+                <a:solidFill>
+                  <a:schemeClr val="lt1"/>
+                </a:solidFill>
+                <a:latin typeface="Arial" charset="0"/>
+                <a:ea typeface="Arial" charset="0"/>
+                <a:cs typeface="Arial" charset="0"/>
+                <a:sym typeface="Cabin"/>
+              </a:rPr>
+              <a:t>Możemy wybrać dowolny pojedynczy znak z </a:t>
+            </a:r>
+            <a:r>
+              <a:rPr lang="en-US" sz="3600" b="0" i="0" u="none" strike="noStrike" cap="none" baseline="0" dirty="0" err="1">
+                <a:solidFill>
+                  <a:schemeClr val="lt1"/>
+                </a:solidFill>
+                <a:latin typeface="Arial" charset="0"/>
+                <a:ea typeface="Arial" charset="0"/>
+                <a:cs typeface="Arial" charset="0"/>
+                <a:sym typeface="Cabin"/>
+              </a:rPr>
+              <a:t>napisu</a:t>
+            </a:r>
+            <a:r>
+              <a:rPr lang="pl" sz="3600" b="0" i="0" u="none" strike="noStrike" cap="none" baseline="0" dirty="0">
+                <a:solidFill>
+                  <a:schemeClr val="lt1"/>
+                </a:solidFill>
+                <a:latin typeface="Arial" charset="0"/>
+                <a:ea typeface="Arial" charset="0"/>
+                <a:cs typeface="Arial" charset="0"/>
+                <a:sym typeface="Cabin"/>
+              </a:rPr>
+              <a:t> za pomocą indeksu określonego w</a:t>
+            </a:r>
+            <a:r>
+              <a:rPr lang="pl" sz="3600" b="0" i="0" u="none" strike="noStrike" cap="none" baseline="0" dirty="0">
                 <a:solidFill>
                   <a:srgbClr val="00FFFF"/>
                 </a:solidFill>
@@ -30113,7 +31282,7 @@
               <a:buChar char="•"/>
             </a:pPr>
             <a:r>
-              <a:rPr lang="pl" sz="3600" b="0" i="0" u="none" strike="noStrike" cap="none" baseline="0">
+              <a:rPr lang="pl" sz="3600" b="0" i="0" u="none" strike="noStrike" cap="none" baseline="0" dirty="0">
                 <a:solidFill>
                   <a:schemeClr val="lt1"/>
                 </a:solidFill>
@@ -30144,7 +31313,7 @@
               <a:buChar char="•"/>
             </a:pPr>
             <a:r>
-              <a:rPr lang="pl" sz="3600" b="0" i="0" u="none" strike="noStrike" cap="none" baseline="0">
+              <a:rPr lang="pl" sz="3600" b="0" i="0" u="none" strike="noStrike" cap="none" baseline="0" dirty="0">
                 <a:solidFill>
                   <a:schemeClr val="lt1"/>
                 </a:solidFill>
@@ -31572,8 +32741,29 @@
                 <a:cs typeface="Arial" charset="0"/>
                 <a:sym typeface="Cabin"/>
               </a:rPr>
-              <a:t> jeśli spróbujesz indeksu wskazującego poza koniec ciągu</a:t>
-            </a:r>
+              <a:t> jeśli spróbujesz indeksu wskazującego poza koniec </a:t>
+            </a:r>
+            <a:r>
+              <a:rPr lang="en-US" sz="3600" b="0" i="0" u="none" strike="noStrike" cap="none" baseline="0" dirty="0" err="1">
+                <a:solidFill>
+                  <a:schemeClr val="lt1"/>
+                </a:solidFill>
+                <a:latin typeface="Arial" charset="0"/>
+                <a:ea typeface="Arial" charset="0"/>
+                <a:cs typeface="Arial" charset="0"/>
+                <a:sym typeface="Cabin"/>
+              </a:rPr>
+              <a:t>napisu</a:t>
+            </a:r>
+            <a:endParaRPr lang="pl" sz="3600" b="0" i="0" u="none" strike="noStrike" cap="none" baseline="0" dirty="0">
+              <a:solidFill>
+                <a:schemeClr val="lt1"/>
+              </a:solidFill>
+              <a:latin typeface="Arial" charset="0"/>
+              <a:ea typeface="Arial" charset="0"/>
+              <a:cs typeface="Arial" charset="0"/>
+              <a:sym typeface="Cabin"/>
+            </a:endParaRPr>
           </a:p>
           <a:p>
             <a:pPr marL="749300" marR="0" lvl="0" indent="-533400" algn="l" rtl="0">
@@ -32010,7 +33200,7 @@
               <a:buNone/>
             </a:pPr>
             <a:r>
-              <a:rPr lang="pl" sz="7600" b="0" i="0" u="none" strike="noStrike" cap="none" baseline="0">
+              <a:rPr lang="pl-PL" sz="7600" b="0" i="0" u="none" strike="noStrike" cap="none" baseline="0">
                 <a:solidFill>
                   <a:srgbClr val="FFD966"/>
                 </a:solidFill>
@@ -32019,7 +33209,19 @@
                 <a:cs typeface="Arial" charset="0"/>
                 <a:sym typeface="Cabin"/>
               </a:rPr>
-              <a:t>Ciągi mają długość</a:t>
+              <a:t>Napisy</a:t>
+            </a:r>
+            <a:r>
+              <a:rPr lang="pl" sz="7600" b="0" i="0" u="none" strike="noStrike" cap="none" baseline="0" dirty="0">
+                <a:solidFill>
+                  <a:srgbClr val="FFD966"/>
+                </a:solidFill>
+                <a:latin typeface="Arial" charset="0"/>
+                <a:ea typeface="Arial" charset="0"/>
+                <a:cs typeface="Arial" charset="0"/>
+                <a:sym typeface="Cabin"/>
+              </a:rPr>
+              <a:t> mają długość</a:t>
             </a:r>
           </a:p>
         </p:txBody>
@@ -32070,7 +33272,7 @@
               <a:buNone/>
             </a:pPr>
             <a:r>
-              <a:rPr lang="pl" sz="4000" b="0" i="0" u="none" strike="noStrike" cap="none" baseline="0">
+              <a:rPr lang="pl" sz="4000" b="0" i="0" u="none" strike="noStrike" cap="none" baseline="0" dirty="0">
                 <a:solidFill>
                   <a:schemeClr val="lt1"/>
                 </a:solidFill>
@@ -32082,7 +33284,7 @@
               <a:t>Wbudowana funkcja </a:t>
             </a:r>
             <a:r>
-              <a:rPr lang="pl" sz="4000" b="0" i="0" u="none" strike="noStrike" cap="none" baseline="0">
+              <a:rPr lang="pl" sz="4000" b="0" i="0" u="none" strike="noStrike" cap="none" baseline="0" dirty="0">
                 <a:solidFill>
                   <a:srgbClr val="FF00FF"/>
                 </a:solidFill>
@@ -32094,16 +33296,28 @@
               <a:t>len</a:t>
             </a:r>
             <a:r>
-              <a:rPr lang="pl" sz="4000" b="0" i="0" u="none" strike="noStrike" cap="none" baseline="0">
-                <a:solidFill>
-                  <a:schemeClr val="lt1"/>
-                </a:solidFill>
-                <a:latin typeface="Arial" charset="0"/>
-                <a:ea typeface="Arial" charset="0"/>
-                <a:cs typeface="Arial" charset="0"/>
-                <a:sym typeface="Cabin"/>
-              </a:rPr>
-              <a:t> podaje nam długość ciągu znaków</a:t>
+              <a:rPr lang="pl" sz="4000" b="0" i="0" u="none" strike="noStrike" cap="none" baseline="0" dirty="0">
+                <a:solidFill>
+                  <a:schemeClr val="lt1"/>
+                </a:solidFill>
+                <a:latin typeface="Arial" charset="0"/>
+                <a:ea typeface="Arial" charset="0"/>
+                <a:cs typeface="Arial" charset="0"/>
+                <a:sym typeface="Cabin"/>
+              </a:rPr>
+              <a:t> podaje nam długość </a:t>
+            </a:r>
+            <a:r>
+              <a:rPr lang="pl-PL" sz="4000" b="0" i="0" u="none" strike="noStrike" cap="none" baseline="0" dirty="0">
+                <a:solidFill>
+                  <a:schemeClr val="lt1"/>
+                </a:solidFill>
+                <a:latin typeface="Arial" charset="0"/>
+                <a:ea typeface="Arial" charset="0"/>
+                <a:cs typeface="Arial" charset="0"/>
+                <a:sym typeface="Cabin"/>
+              </a:rPr>
+              <a:t>napisu</a:t>
             </a:r>
           </a:p>
         </p:txBody>
@@ -33599,7 +34813,7 @@
                 <a:cs typeface="Arial" charset="0"/>
                 <a:sym typeface="Cabin"/>
               </a:rPr>
-              <a:t>'banan' </a:t>
+              <a:t>'banan’ </a:t>
             </a:r>
           </a:p>
           <a:p>
@@ -33630,7 +34844,31 @@
                 <a:cs typeface="Arial" charset="0"/>
                 <a:sym typeface="Cabin"/>
               </a:rPr>
-              <a:t>(ciąg znaków)</a:t>
+              <a:t>(</a:t>
+            </a:r>
+            <a:r>
+              <a:rPr lang="pl-PL" sz="3600" b="0" i="0" u="none" strike="noStrike" cap="none" baseline="0" dirty="0">
+                <a:solidFill>
+                  <a:srgbClr val="FF7F00"/>
+                </a:solidFill>
+                <a:latin typeface="Arial" charset="0"/>
+                <a:ea typeface="Arial" charset="0"/>
+                <a:cs typeface="Arial" charset="0"/>
+                <a:sym typeface="Cabin"/>
+              </a:rPr>
+              <a:t>napis</a:t>
+            </a:r>
+            <a:r>
+              <a:rPr lang="pl" sz="3600" b="0" i="0" u="none" strike="noStrike" cap="none" baseline="0" dirty="0">
+                <a:solidFill>
+                  <a:srgbClr val="FF7F00"/>
+                </a:solidFill>
+                <a:latin typeface="Arial" charset="0"/>
+                <a:ea typeface="Arial" charset="0"/>
+                <a:cs typeface="Arial" charset="0"/>
+                <a:sym typeface="Cabin"/>
+              </a:rPr>
+              <a:t>)</a:t>
             </a:r>
           </a:p>
         </p:txBody>
@@ -34860,7 +36098,7 @@
                 <a:cs typeface="Arial" charset="0"/>
                 <a:sym typeface="Cabin"/>
               </a:rPr>
-              <a:t>'banan' </a:t>
+              <a:t>'banan’ </a:t>
             </a:r>
           </a:p>
           <a:p>
@@ -34891,7 +36129,31 @@
                 <a:cs typeface="Arial" charset="0"/>
                 <a:sym typeface="Cabin"/>
               </a:rPr>
-              <a:t>(ciąg znaków)</a:t>
+              <a:t>(</a:t>
+            </a:r>
+            <a:r>
+              <a:rPr lang="pl-PL" sz="3600" b="0" i="0" u="none" strike="noStrike" cap="none" baseline="0" dirty="0">
+                <a:solidFill>
+                  <a:srgbClr val="FF7F00"/>
+                </a:solidFill>
+                <a:latin typeface="Arial" charset="0"/>
+                <a:ea typeface="Arial" charset="0"/>
+                <a:cs typeface="Arial" charset="0"/>
+                <a:sym typeface="Cabin"/>
+              </a:rPr>
+              <a:t>napis</a:t>
+            </a:r>
+            <a:r>
+              <a:rPr lang="pl" sz="3600" b="0" i="0" u="none" strike="noStrike" cap="none" baseline="0" dirty="0">
+                <a:solidFill>
+                  <a:srgbClr val="FF7F00"/>
+                </a:solidFill>
+                <a:latin typeface="Arial" charset="0"/>
+                <a:ea typeface="Arial" charset="0"/>
+                <a:cs typeface="Arial" charset="0"/>
+                <a:sym typeface="Cabin"/>
+              </a:rPr>
+              <a:t>)</a:t>
             </a:r>
           </a:p>
         </p:txBody>
@@ -35040,6 +36302,10 @@
           </p:nvPr>
         </p:nvSpPr>
         <p:spPr>
+          <a:xfrm>
+            <a:off x="889348" y="833718"/>
+            <a:ext cx="14464704" cy="1706182"/>
+          </a:xfrm>
           <a:prstGeom prst="rect">
             <a:avLst/>
           </a:prstGeom>
@@ -35081,7 +36347,19 @@
                 <a:cs typeface="Arial" charset="0"/>
                 <a:sym typeface="Cabin"/>
               </a:rPr>
-              <a:t>Przechodzenie pętlą przez ciąg</a:t>
+              <a:t>Przechodzenie pętlą przez </a:t>
+            </a:r>
+            <a:r>
+              <a:rPr lang="pl-PL" sz="7600" b="0" i="0" u="none" strike="noStrike" cap="none" baseline="0" dirty="0">
+                <a:solidFill>
+                  <a:srgbClr val="FFD966"/>
+                </a:solidFill>
+                <a:latin typeface="Arial" charset="0"/>
+                <a:ea typeface="Arial" charset="0"/>
+                <a:cs typeface="Arial" charset="0"/>
+                <a:sym typeface="Cabin"/>
+              </a:rPr>
+              <a:t>napis</a:t>
             </a:r>
           </a:p>
         </p:txBody>
